--- a/EXAM-Genome mapping.pptx
+++ b/EXAM-Genome mapping.pptx
@@ -19,9 +19,12 @@
     <p:sldId id="270" r:id="rId13"/>
     <p:sldId id="271" r:id="rId14"/>
     <p:sldId id="264" r:id="rId15"/>
-    <p:sldId id="272" r:id="rId16"/>
-    <p:sldId id="265" r:id="rId17"/>
-    <p:sldId id="273" r:id="rId18"/>
+    <p:sldId id="276" r:id="rId16"/>
+    <p:sldId id="272" r:id="rId17"/>
+    <p:sldId id="274" r:id="rId18"/>
+    <p:sldId id="275" r:id="rId19"/>
+    <p:sldId id="265" r:id="rId20"/>
+    <p:sldId id="273" r:id="rId21"/>
   </p:sldIdLst>
   <p:sldSz cx="12192000" cy="6858000"/>
   <p:notesSz cx="6858000" cy="9144000"/>
@@ -120,6 +123,11 @@
       </a:defRPr>
     </a:lvl9pPr>
   </p:defaultTextStyle>
+  <p:extLst>
+    <p:ext uri="{EFAFB233-063F-42B5-8137-9DF3F51BA10A}">
+      <p15:sldGuideLst xmlns:p15="http://schemas.microsoft.com/office/powerpoint/2012/main"/>
+    </p:ext>
+  </p:extLst>
 </p:presentation>
 </file>
 
@@ -16820,7 +16828,7 @@
           <a:p>
             <a:fld id="{B8A13583-F80A-42CA-886B-32BE0876E366}" type="datetimeFigureOut">
               <a:rPr lang="fr-FR" smtClean="0"/>
-              <a:t>13/03/2022</a:t>
+              <a:t>14/03/2022</a:t>
             </a:fld>
             <a:endParaRPr lang="fr-FR"/>
           </a:p>
@@ -16874,7 +16882,7 @@
           <a:p>
             <a:fld id="{3D4973CA-DAD6-4DCC-B006-A7C7DB93F268}" type="slidenum">
               <a:rPr lang="fr-FR" smtClean="0"/>
-              <a:t>‹#›</a:t>
+              <a:t>‹N°›</a:t>
             </a:fld>
             <a:endParaRPr lang="fr-FR"/>
           </a:p>
@@ -17020,7 +17028,7 @@
           <a:p>
             <a:fld id="{B8A13583-F80A-42CA-886B-32BE0876E366}" type="datetimeFigureOut">
               <a:rPr lang="fr-FR" smtClean="0"/>
-              <a:t>13/03/2022</a:t>
+              <a:t>14/03/2022</a:t>
             </a:fld>
             <a:endParaRPr lang="fr-FR"/>
           </a:p>
@@ -17074,7 +17082,7 @@
           <a:p>
             <a:fld id="{3D4973CA-DAD6-4DCC-B006-A7C7DB93F268}" type="slidenum">
               <a:rPr lang="fr-FR" smtClean="0"/>
-              <a:t>‹#›</a:t>
+              <a:t>‹N°›</a:t>
             </a:fld>
             <a:endParaRPr lang="fr-FR"/>
           </a:p>
@@ -17230,7 +17238,7 @@
           <a:p>
             <a:fld id="{B8A13583-F80A-42CA-886B-32BE0876E366}" type="datetimeFigureOut">
               <a:rPr lang="fr-FR" smtClean="0"/>
-              <a:t>13/03/2022</a:t>
+              <a:t>14/03/2022</a:t>
             </a:fld>
             <a:endParaRPr lang="fr-FR"/>
           </a:p>
@@ -17284,7 +17292,7 @@
           <a:p>
             <a:fld id="{3D4973CA-DAD6-4DCC-B006-A7C7DB93F268}" type="slidenum">
               <a:rPr lang="fr-FR" smtClean="0"/>
-              <a:t>‹#›</a:t>
+              <a:t>‹N°›</a:t>
             </a:fld>
             <a:endParaRPr lang="fr-FR"/>
           </a:p>
@@ -17430,7 +17438,7 @@
           <a:p>
             <a:fld id="{B8A13583-F80A-42CA-886B-32BE0876E366}" type="datetimeFigureOut">
               <a:rPr lang="fr-FR" smtClean="0"/>
-              <a:t>13/03/2022</a:t>
+              <a:t>14/03/2022</a:t>
             </a:fld>
             <a:endParaRPr lang="fr-FR"/>
           </a:p>
@@ -17484,7 +17492,7 @@
           <a:p>
             <a:fld id="{3D4973CA-DAD6-4DCC-B006-A7C7DB93F268}" type="slidenum">
               <a:rPr lang="fr-FR" smtClean="0"/>
-              <a:t>‹#›</a:t>
+              <a:t>‹N°›</a:t>
             </a:fld>
             <a:endParaRPr lang="fr-FR"/>
           </a:p>
@@ -17706,7 +17714,7 @@
           <a:p>
             <a:fld id="{B8A13583-F80A-42CA-886B-32BE0876E366}" type="datetimeFigureOut">
               <a:rPr lang="fr-FR" smtClean="0"/>
-              <a:t>13/03/2022</a:t>
+              <a:t>14/03/2022</a:t>
             </a:fld>
             <a:endParaRPr lang="fr-FR"/>
           </a:p>
@@ -17760,7 +17768,7 @@
           <a:p>
             <a:fld id="{3D4973CA-DAD6-4DCC-B006-A7C7DB93F268}" type="slidenum">
               <a:rPr lang="fr-FR" smtClean="0"/>
-              <a:t>‹#›</a:t>
+              <a:t>‹N°›</a:t>
             </a:fld>
             <a:endParaRPr lang="fr-FR"/>
           </a:p>
@@ -17974,7 +17982,7 @@
           <a:p>
             <a:fld id="{B8A13583-F80A-42CA-886B-32BE0876E366}" type="datetimeFigureOut">
               <a:rPr lang="fr-FR" smtClean="0"/>
-              <a:t>13/03/2022</a:t>
+              <a:t>14/03/2022</a:t>
             </a:fld>
             <a:endParaRPr lang="fr-FR"/>
           </a:p>
@@ -18028,7 +18036,7 @@
           <a:p>
             <a:fld id="{3D4973CA-DAD6-4DCC-B006-A7C7DB93F268}" type="slidenum">
               <a:rPr lang="fr-FR" smtClean="0"/>
-              <a:t>‹#›</a:t>
+              <a:t>‹N°›</a:t>
             </a:fld>
             <a:endParaRPr lang="fr-FR"/>
           </a:p>
@@ -18389,7 +18397,7 @@
           <a:p>
             <a:fld id="{B8A13583-F80A-42CA-886B-32BE0876E366}" type="datetimeFigureOut">
               <a:rPr lang="fr-FR" smtClean="0"/>
-              <a:t>13/03/2022</a:t>
+              <a:t>14/03/2022</a:t>
             </a:fld>
             <a:endParaRPr lang="fr-FR"/>
           </a:p>
@@ -18443,7 +18451,7 @@
           <a:p>
             <a:fld id="{3D4973CA-DAD6-4DCC-B006-A7C7DB93F268}" type="slidenum">
               <a:rPr lang="fr-FR" smtClean="0"/>
-              <a:t>‹#›</a:t>
+              <a:t>‹N°›</a:t>
             </a:fld>
             <a:endParaRPr lang="fr-FR"/>
           </a:p>
@@ -18531,7 +18539,7 @@
           <a:p>
             <a:fld id="{B8A13583-F80A-42CA-886B-32BE0876E366}" type="datetimeFigureOut">
               <a:rPr lang="fr-FR" smtClean="0"/>
-              <a:t>13/03/2022</a:t>
+              <a:t>14/03/2022</a:t>
             </a:fld>
             <a:endParaRPr lang="fr-FR"/>
           </a:p>
@@ -18585,7 +18593,7 @@
           <a:p>
             <a:fld id="{3D4973CA-DAD6-4DCC-B006-A7C7DB93F268}" type="slidenum">
               <a:rPr lang="fr-FR" smtClean="0"/>
-              <a:t>‹#›</a:t>
+              <a:t>‹N°›</a:t>
             </a:fld>
             <a:endParaRPr lang="fr-FR"/>
           </a:p>
@@ -18644,7 +18652,7 @@
           <a:p>
             <a:fld id="{B8A13583-F80A-42CA-886B-32BE0876E366}" type="datetimeFigureOut">
               <a:rPr lang="fr-FR" smtClean="0"/>
-              <a:t>13/03/2022</a:t>
+              <a:t>14/03/2022</a:t>
             </a:fld>
             <a:endParaRPr lang="fr-FR"/>
           </a:p>
@@ -18698,7 +18706,7 @@
           <a:p>
             <a:fld id="{3D4973CA-DAD6-4DCC-B006-A7C7DB93F268}" type="slidenum">
               <a:rPr lang="fr-FR" smtClean="0"/>
-              <a:t>‹#›</a:t>
+              <a:t>‹N°›</a:t>
             </a:fld>
             <a:endParaRPr lang="fr-FR"/>
           </a:p>
@@ -18957,7 +18965,7 @@
           <a:p>
             <a:fld id="{B8A13583-F80A-42CA-886B-32BE0876E366}" type="datetimeFigureOut">
               <a:rPr lang="fr-FR" smtClean="0"/>
-              <a:t>13/03/2022</a:t>
+              <a:t>14/03/2022</a:t>
             </a:fld>
             <a:endParaRPr lang="fr-FR"/>
           </a:p>
@@ -19011,7 +19019,7 @@
           <a:p>
             <a:fld id="{3D4973CA-DAD6-4DCC-B006-A7C7DB93F268}" type="slidenum">
               <a:rPr lang="fr-FR" smtClean="0"/>
-              <a:t>‹#›</a:t>
+              <a:t>‹N°›</a:t>
             </a:fld>
             <a:endParaRPr lang="fr-FR"/>
           </a:p>
@@ -19246,7 +19254,7 @@
           <a:p>
             <a:fld id="{B8A13583-F80A-42CA-886B-32BE0876E366}" type="datetimeFigureOut">
               <a:rPr lang="fr-FR" smtClean="0"/>
-              <a:t>13/03/2022</a:t>
+              <a:t>14/03/2022</a:t>
             </a:fld>
             <a:endParaRPr lang="fr-FR"/>
           </a:p>
@@ -19300,7 +19308,7 @@
           <a:p>
             <a:fld id="{3D4973CA-DAD6-4DCC-B006-A7C7DB93F268}" type="slidenum">
               <a:rPr lang="fr-FR" smtClean="0"/>
-              <a:t>‹#›</a:t>
+              <a:t>‹N°›</a:t>
             </a:fld>
             <a:endParaRPr lang="fr-FR"/>
           </a:p>
@@ -19489,7 +19497,7 @@
           <a:p>
             <a:fld id="{B8A13583-F80A-42CA-886B-32BE0876E366}" type="datetimeFigureOut">
               <a:rPr lang="fr-FR" smtClean="0"/>
-              <a:t>13/03/2022</a:t>
+              <a:t>14/03/2022</a:t>
             </a:fld>
             <a:endParaRPr lang="fr-FR"/>
           </a:p>
@@ -19579,7 +19587,7 @@
           <a:p>
             <a:fld id="{3D4973CA-DAD6-4DCC-B006-A7C7DB93F268}" type="slidenum">
               <a:rPr lang="fr-FR" smtClean="0"/>
-              <a:t>‹#›</a:t>
+              <a:t>‹N°›</a:t>
             </a:fld>
             <a:endParaRPr lang="fr-FR"/>
           </a:p>
@@ -20262,8 +20270,8 @@
           </a:graphicData>
         </a:graphic>
       </p:graphicFrame>
-      <mc:AlternateContent xmlns:mc="http://schemas.openxmlformats.org/markup-compatibility/2006">
-        <mc:Choice xmlns:a14="http://schemas.microsoft.com/office/drawing/2010/main" Requires="a14">
+      <mc:AlternateContent xmlns:mc="http://schemas.openxmlformats.org/markup-compatibility/2006" xmlns:a14="http://schemas.microsoft.com/office/drawing/2010/main">
+        <mc:Choice Requires="a14">
           <p:sp>
             <p:nvSpPr>
               <p:cNvPr id="5" name="TextBox 4">
@@ -20359,7 +20367,7 @@
             </p:txBody>
           </p:sp>
         </mc:Choice>
-        <mc:Fallback>
+        <mc:Fallback xmlns="">
           <p:sp>
             <p:nvSpPr>
               <p:cNvPr id="5" name="TextBox 4">
@@ -21178,8 +21186,8 @@
           </a:fontRef>
         </p:style>
       </p:cxnSp>
-      <mc:AlternateContent xmlns:mc="http://schemas.openxmlformats.org/markup-compatibility/2006">
-        <mc:Choice xmlns:a14="http://schemas.microsoft.com/office/drawing/2010/main" Requires="a14">
+      <mc:AlternateContent xmlns:mc="http://schemas.openxmlformats.org/markup-compatibility/2006" xmlns:a14="http://schemas.microsoft.com/office/drawing/2010/main">
+        <mc:Choice Requires="a14">
           <p:sp>
             <p:nvSpPr>
               <p:cNvPr id="13" name="TextBox 12">
@@ -21284,7 +21292,7 @@
             </p:txBody>
           </p:sp>
         </mc:Choice>
-        <mc:Fallback>
+        <mc:Fallback xmlns="">
           <p:sp>
             <p:nvSpPr>
               <p:cNvPr id="13" name="TextBox 12">
@@ -21565,8 +21573,8 @@
           </a:graphicData>
         </a:graphic>
       </p:graphicFrame>
-      <mc:AlternateContent xmlns:mc="http://schemas.openxmlformats.org/markup-compatibility/2006">
-        <mc:Choice xmlns:a14="http://schemas.microsoft.com/office/drawing/2010/main" Requires="a14">
+      <mc:AlternateContent xmlns:mc="http://schemas.openxmlformats.org/markup-compatibility/2006" xmlns:a14="http://schemas.microsoft.com/office/drawing/2010/main">
+        <mc:Choice Requires="a14">
           <p:sp>
             <p:nvSpPr>
               <p:cNvPr id="5" name="TextBox 4">
@@ -21662,7 +21670,7 @@
             </p:txBody>
           </p:sp>
         </mc:Choice>
-        <mc:Fallback>
+        <mc:Fallback xmlns="">
           <p:sp>
             <p:nvSpPr>
               <p:cNvPr id="5" name="TextBox 4">
@@ -22539,8 +22547,8 @@
           </a:fontRef>
         </p:style>
       </p:cxnSp>
-      <mc:AlternateContent xmlns:mc="http://schemas.openxmlformats.org/markup-compatibility/2006">
-        <mc:Choice xmlns:a14="http://schemas.microsoft.com/office/drawing/2010/main" Requires="a14">
+      <mc:AlternateContent xmlns:mc="http://schemas.openxmlformats.org/markup-compatibility/2006" xmlns:a14="http://schemas.microsoft.com/office/drawing/2010/main">
+        <mc:Choice Requires="a14">
           <p:sp>
             <p:nvSpPr>
               <p:cNvPr id="13" name="TextBox 12">
@@ -22645,7 +22653,7 @@
             </p:txBody>
           </p:sp>
         </mc:Choice>
-        <mc:Fallback>
+        <mc:Fallback xmlns="">
           <p:sp>
             <p:nvSpPr>
               <p:cNvPr id="13" name="TextBox 12">
@@ -23059,8 +23067,8 @@
           </a:graphicData>
         </a:graphic>
       </p:graphicFrame>
-      <mc:AlternateContent xmlns:mc="http://schemas.openxmlformats.org/markup-compatibility/2006">
-        <mc:Choice xmlns:a14="http://schemas.microsoft.com/office/drawing/2010/main" Requires="a14">
+      <mc:AlternateContent xmlns:mc="http://schemas.openxmlformats.org/markup-compatibility/2006" xmlns:a14="http://schemas.microsoft.com/office/drawing/2010/main">
+        <mc:Choice Requires="a14">
           <p:sp>
             <p:nvSpPr>
               <p:cNvPr id="5" name="TextBox 4">
@@ -23156,7 +23164,7 @@
             </p:txBody>
           </p:sp>
         </mc:Choice>
-        <mc:Fallback>
+        <mc:Fallback xmlns="">
           <p:sp>
             <p:nvSpPr>
               <p:cNvPr id="5" name="TextBox 4">
@@ -24027,8 +24035,8 @@
           </a:fontRef>
         </p:style>
       </p:cxnSp>
-      <mc:AlternateContent xmlns:mc="http://schemas.openxmlformats.org/markup-compatibility/2006">
-        <mc:Choice xmlns:a14="http://schemas.microsoft.com/office/drawing/2010/main" Requires="a14">
+      <mc:AlternateContent xmlns:mc="http://schemas.openxmlformats.org/markup-compatibility/2006" xmlns:a14="http://schemas.microsoft.com/office/drawing/2010/main">
+        <mc:Choice Requires="a14">
           <p:sp>
             <p:nvSpPr>
               <p:cNvPr id="13" name="TextBox 12">
@@ -24133,7 +24141,7 @@
             </p:txBody>
           </p:sp>
         </mc:Choice>
-        <mc:Fallback>
+        <mc:Fallback xmlns="">
           <p:sp>
             <p:nvSpPr>
               <p:cNvPr id="13" name="TextBox 12">
@@ -24494,8 +24502,8 @@
           </a:graphicData>
         </a:graphic>
       </p:graphicFrame>
-      <mc:AlternateContent xmlns:mc="http://schemas.openxmlformats.org/markup-compatibility/2006">
-        <mc:Choice xmlns:a14="http://schemas.microsoft.com/office/drawing/2010/main" Requires="a14">
+      <mc:AlternateContent xmlns:mc="http://schemas.openxmlformats.org/markup-compatibility/2006" xmlns:a14="http://schemas.microsoft.com/office/drawing/2010/main">
+        <mc:Choice Requires="a14">
           <p:sp>
             <p:nvSpPr>
               <p:cNvPr id="5" name="TextBox 4">
@@ -24591,7 +24599,7 @@
             </p:txBody>
           </p:sp>
         </mc:Choice>
-        <mc:Fallback>
+        <mc:Fallback xmlns="">
           <p:sp>
             <p:nvSpPr>
               <p:cNvPr id="5" name="TextBox 4">
@@ -25462,8 +25470,8 @@
           </a:fontRef>
         </p:style>
       </p:cxnSp>
-      <mc:AlternateContent xmlns:mc="http://schemas.openxmlformats.org/markup-compatibility/2006">
-        <mc:Choice xmlns:a14="http://schemas.microsoft.com/office/drawing/2010/main" Requires="a14">
+      <mc:AlternateContent xmlns:mc="http://schemas.openxmlformats.org/markup-compatibility/2006" xmlns:a14="http://schemas.microsoft.com/office/drawing/2010/main">
+        <mc:Choice Requires="a14">
           <p:sp>
             <p:nvSpPr>
               <p:cNvPr id="13" name="TextBox 12">
@@ -25568,7 +25576,7 @@
             </p:txBody>
           </p:sp>
         </mc:Choice>
-        <mc:Fallback>
+        <mc:Fallback xmlns="">
           <p:sp>
             <p:nvSpPr>
               <p:cNvPr id="13" name="TextBox 12">
@@ -26070,6 +26078,243 @@
 <file path=ppt/slides/slide15.xml><?xml version="1.0" encoding="utf-8"?>
 <p:sld xmlns:a="http://schemas.openxmlformats.org/drawingml/2006/main" xmlns:r="http://schemas.openxmlformats.org/officeDocument/2006/relationships" xmlns:p="http://schemas.openxmlformats.org/presentationml/2006/main">
   <p:cSld>
+    <p:bg>
+      <p:bgPr>
+        <a:solidFill>
+          <a:schemeClr val="bg1"/>
+        </a:solidFill>
+        <a:effectLst/>
+      </p:bgPr>
+    </p:bg>
+    <p:spTree>
+      <p:nvGrpSpPr>
+        <p:cNvPr id="1" name=""/>
+        <p:cNvGrpSpPr/>
+        <p:nvPr/>
+      </p:nvGrpSpPr>
+      <p:grpSpPr>
+        <a:xfrm>
+          <a:off x="0" y="0"/>
+          <a:ext cx="0" cy="0"/>
+          <a:chOff x="0" y="0"/>
+          <a:chExt cx="0" cy="0"/>
+        </a:xfrm>
+      </p:grpSpPr>
+      <p:sp>
+        <p:nvSpPr>
+          <p:cNvPr id="12" name="Rectangle 11">
+            <a:extLst>
+              <a:ext uri="{FF2B5EF4-FFF2-40B4-BE49-F238E27FC236}">
+                <a16:creationId xmlns:a16="http://schemas.microsoft.com/office/drawing/2014/main" id="{1045B59B-615E-4718-A150-42DE5D03E1C8}"/>
+              </a:ext>
+              <a:ext uri="{C183D7F6-B498-43B3-948B-1728B52AA6E4}">
+                <adec:decorative xmlns:adec="http://schemas.microsoft.com/office/drawing/2017/decorative" val="1"/>
+              </a:ext>
+            </a:extLst>
+          </p:cNvPr>
+          <p:cNvSpPr>
+            <a:spLocks noGrp="1" noRot="1" noChangeAspect="1" noMove="1" noResize="1" noEditPoints="1" noAdjustHandles="1" noChangeArrowheads="1" noChangeShapeType="1" noTextEdit="1"/>
+          </p:cNvSpPr>
+          <p:nvPr>
+            <p:extLst>
+              <p:ext uri="{386F3935-93C4-4BCD-93E2-E3B085C9AB24}">
+                <p16:designElem xmlns:p16="http://schemas.microsoft.com/office/powerpoint/2015/main" val="1"/>
+              </p:ext>
+            </p:extLst>
+          </p:nvPr>
+        </p:nvSpPr>
+        <p:spPr>
+          <a:xfrm>
+            <a:off x="0" y="0"/>
+            <a:ext cx="12192000" cy="6858000"/>
+          </a:xfrm>
+          <a:prstGeom prst="rect">
+            <a:avLst/>
+          </a:prstGeom>
+          <a:solidFill>
+            <a:srgbClr val="FFFFFF"/>
+          </a:solidFill>
+          <a:ln>
+            <a:noFill/>
+          </a:ln>
+        </p:spPr>
+        <p:style>
+          <a:lnRef idx="2">
+            <a:schemeClr val="accent1">
+              <a:shade val="50000"/>
+            </a:schemeClr>
+          </a:lnRef>
+          <a:fillRef idx="1">
+            <a:schemeClr val="accent1"/>
+          </a:fillRef>
+          <a:effectRef idx="0">
+            <a:schemeClr val="accent1"/>
+          </a:effectRef>
+          <a:fontRef idx="minor">
+            <a:schemeClr val="lt1"/>
+          </a:fontRef>
+        </p:style>
+        <p:txBody>
+          <a:bodyPr rtlCol="0" anchor="ctr"/>
+          <a:lstStyle/>
+          <a:p>
+            <a:pPr algn="ctr"/>
+            <a:endParaRPr lang="en-US"/>
+          </a:p>
+        </p:txBody>
+      </p:sp>
+      <p:sp>
+        <p:nvSpPr>
+          <p:cNvPr id="14" name="Rectangle 13">
+            <a:extLst>
+              <a:ext uri="{FF2B5EF4-FFF2-40B4-BE49-F238E27FC236}">
+                <a16:creationId xmlns:a16="http://schemas.microsoft.com/office/drawing/2014/main" id="{D6CF29CD-38B8-4924-BA11-6D60517487EF}"/>
+              </a:ext>
+              <a:ext uri="{C183D7F6-B498-43B3-948B-1728B52AA6E4}">
+                <adec:decorative xmlns:adec="http://schemas.microsoft.com/office/drawing/2017/decorative" val="1"/>
+              </a:ext>
+            </a:extLst>
+          </p:cNvPr>
+          <p:cNvSpPr>
+            <a:spLocks noGrp="1" noRot="1" noChangeAspect="1" noMove="1" noResize="1" noEditPoints="1" noAdjustHandles="1" noChangeArrowheads="1" noChangeShapeType="1" noTextEdit="1"/>
+          </p:cNvSpPr>
+          <p:nvPr>
+            <p:extLst>
+              <p:ext uri="{386F3935-93C4-4BCD-93E2-E3B085C9AB24}">
+                <p16:designElem xmlns:p16="http://schemas.microsoft.com/office/powerpoint/2015/main" val="1"/>
+              </p:ext>
+            </p:extLst>
+          </p:nvPr>
+        </p:nvSpPr>
+        <p:spPr>
+          <a:xfrm>
+            <a:off x="0" y="0"/>
+            <a:ext cx="12192000" cy="2615184"/>
+          </a:xfrm>
+          <a:prstGeom prst="rect">
+            <a:avLst/>
+          </a:prstGeom>
+          <a:solidFill>
+            <a:srgbClr val="404040"/>
+          </a:solidFill>
+          <a:ln>
+            <a:noFill/>
+          </a:ln>
+        </p:spPr>
+        <p:style>
+          <a:lnRef idx="2">
+            <a:schemeClr val="accent1">
+              <a:shade val="50000"/>
+            </a:schemeClr>
+          </a:lnRef>
+          <a:fillRef idx="1">
+            <a:schemeClr val="accent1"/>
+          </a:fillRef>
+          <a:effectRef idx="0">
+            <a:schemeClr val="accent1"/>
+          </a:effectRef>
+          <a:fontRef idx="minor">
+            <a:schemeClr val="lt1"/>
+          </a:fontRef>
+        </p:style>
+        <p:txBody>
+          <a:bodyPr rtlCol="0" anchor="ctr"/>
+          <a:lstStyle/>
+          <a:p>
+            <a:pPr algn="ctr"/>
+            <a:endParaRPr lang="en-US"/>
+          </a:p>
+        </p:txBody>
+      </p:sp>
+      <p:sp>
+        <p:nvSpPr>
+          <p:cNvPr id="2" name="Titre 1">
+            <a:extLst>
+              <a:ext uri="{FF2B5EF4-FFF2-40B4-BE49-F238E27FC236}">
+                <a16:creationId xmlns:a16="http://schemas.microsoft.com/office/drawing/2014/main" id="{21182095-33BE-4687-B2CA-A6376C7305F3}"/>
+              </a:ext>
+            </a:extLst>
+          </p:cNvPr>
+          <p:cNvSpPr>
+            <a:spLocks noGrp="1"/>
+          </p:cNvSpPr>
+          <p:nvPr>
+            <p:ph type="title"/>
+          </p:nvPr>
+        </p:nvSpPr>
+        <p:spPr>
+          <a:xfrm>
+            <a:off x="707011" y="365760"/>
+            <a:ext cx="10765410" cy="1207269"/>
+          </a:xfrm>
+        </p:spPr>
+        <p:txBody>
+          <a:bodyPr vert="horz" lIns="91440" tIns="45720" rIns="91440" bIns="45720" rtlCol="0" anchor="b">
+            <a:normAutofit/>
+          </a:bodyPr>
+          <a:lstStyle/>
+          <a:p>
+            <a:pPr algn="ctr"/>
+            <a:r>
+              <a:rPr lang="en-US" kern="1200">
+                <a:solidFill>
+                  <a:srgbClr val="FFFFFF"/>
+                </a:solidFill>
+                <a:latin typeface="+mj-lt"/>
+                <a:ea typeface="+mj-ea"/>
+                <a:cs typeface="+mj-cs"/>
+              </a:rPr>
+              <a:t>BWT search vs Naive search</a:t>
+            </a:r>
+          </a:p>
+        </p:txBody>
+      </p:sp>
+      <p:pic>
+        <p:nvPicPr>
+          <p:cNvPr id="7" name="Image 6">
+            <a:extLst>
+              <a:ext uri="{FF2B5EF4-FFF2-40B4-BE49-F238E27FC236}">
+                <a16:creationId xmlns:a16="http://schemas.microsoft.com/office/drawing/2014/main" id="{969AFB90-C171-4349-8BA2-75FDA5160FF7}"/>
+              </a:ext>
+            </a:extLst>
+          </p:cNvPr>
+          <p:cNvPicPr>
+            <a:picLocks noChangeAspect="1"/>
+          </p:cNvPicPr>
+          <p:nvPr/>
+        </p:nvPicPr>
+        <p:blipFill>
+          <a:blip r:embed="rId2"/>
+          <a:stretch>
+            <a:fillRect/>
+          </a:stretch>
+        </p:blipFill>
+        <p:spPr>
+          <a:xfrm>
+            <a:off x="817350" y="2943847"/>
+            <a:ext cx="10567669" cy="3275978"/>
+          </a:xfrm>
+          <a:prstGeom prst="rect">
+            <a:avLst/>
+          </a:prstGeom>
+        </p:spPr>
+      </p:pic>
+    </p:spTree>
+    <p:extLst>
+      <p:ext uri="{BB962C8B-B14F-4D97-AF65-F5344CB8AC3E}">
+        <p14:creationId xmlns:p14="http://schemas.microsoft.com/office/powerpoint/2010/main" val="2726207446"/>
+      </p:ext>
+    </p:extLst>
+  </p:cSld>
+  <p:clrMapOvr>
+    <a:masterClrMapping/>
+  </p:clrMapOvr>
+</p:sld>
+</file>
+
+<file path=ppt/slides/slide16.xml><?xml version="1.0" encoding="utf-8"?>
+<p:sld xmlns:a="http://schemas.openxmlformats.org/drawingml/2006/main" xmlns:r="http://schemas.openxmlformats.org/officeDocument/2006/relationships" xmlns:p="http://schemas.openxmlformats.org/presentationml/2006/main">
+  <p:cSld>
     <p:spTree>
       <p:nvGrpSpPr>
         <p:cNvPr id="1" name=""/>
@@ -26451,7 +26696,494 @@
 </p:sld>
 </file>
 
-<file path=ppt/slides/slide16.xml><?xml version="1.0" encoding="utf-8"?>
+<file path=ppt/slides/slide17.xml><?xml version="1.0" encoding="utf-8"?>
+<p:sld xmlns:a="http://schemas.openxmlformats.org/drawingml/2006/main" xmlns:r="http://schemas.openxmlformats.org/officeDocument/2006/relationships" xmlns:p="http://schemas.openxmlformats.org/presentationml/2006/main">
+  <p:cSld>
+    <p:bg>
+      <p:bgPr>
+        <a:solidFill>
+          <a:schemeClr val="bg1"/>
+        </a:solidFill>
+        <a:effectLst/>
+      </p:bgPr>
+    </p:bg>
+    <p:spTree>
+      <p:nvGrpSpPr>
+        <p:cNvPr id="1" name=""/>
+        <p:cNvGrpSpPr/>
+        <p:nvPr/>
+      </p:nvGrpSpPr>
+      <p:grpSpPr>
+        <a:xfrm>
+          <a:off x="0" y="0"/>
+          <a:ext cx="0" cy="0"/>
+          <a:chOff x="0" y="0"/>
+          <a:chExt cx="0" cy="0"/>
+        </a:xfrm>
+      </p:grpSpPr>
+      <p:sp>
+        <p:nvSpPr>
+          <p:cNvPr id="36" name="Rectangle 32">
+            <a:extLst>
+              <a:ext uri="{FF2B5EF4-FFF2-40B4-BE49-F238E27FC236}">
+                <a16:creationId xmlns:a16="http://schemas.microsoft.com/office/drawing/2014/main" id="{1045B59B-615E-4718-A150-42DE5D03E1C8}"/>
+              </a:ext>
+              <a:ext uri="{C183D7F6-B498-43B3-948B-1728B52AA6E4}">
+                <adec:decorative xmlns:adec="http://schemas.microsoft.com/office/drawing/2017/decorative" val="1"/>
+              </a:ext>
+            </a:extLst>
+          </p:cNvPr>
+          <p:cNvSpPr>
+            <a:spLocks noGrp="1" noRot="1" noChangeAspect="1" noMove="1" noResize="1" noEditPoints="1" noAdjustHandles="1" noChangeArrowheads="1" noChangeShapeType="1" noTextEdit="1"/>
+          </p:cNvSpPr>
+          <p:nvPr>
+            <p:extLst>
+              <p:ext uri="{386F3935-93C4-4BCD-93E2-E3B085C9AB24}">
+                <p16:designElem xmlns:p16="http://schemas.microsoft.com/office/powerpoint/2015/main" val="1"/>
+              </p:ext>
+            </p:extLst>
+          </p:nvPr>
+        </p:nvSpPr>
+        <p:spPr>
+          <a:xfrm>
+            <a:off x="0" y="0"/>
+            <a:ext cx="12192000" cy="6858000"/>
+          </a:xfrm>
+          <a:prstGeom prst="rect">
+            <a:avLst/>
+          </a:prstGeom>
+          <a:solidFill>
+            <a:srgbClr val="FFFFFF"/>
+          </a:solidFill>
+          <a:ln>
+            <a:noFill/>
+          </a:ln>
+        </p:spPr>
+        <p:style>
+          <a:lnRef idx="2">
+            <a:schemeClr val="accent1">
+              <a:shade val="50000"/>
+            </a:schemeClr>
+          </a:lnRef>
+          <a:fillRef idx="1">
+            <a:schemeClr val="accent1"/>
+          </a:fillRef>
+          <a:effectRef idx="0">
+            <a:schemeClr val="accent1"/>
+          </a:effectRef>
+          <a:fontRef idx="minor">
+            <a:schemeClr val="lt1"/>
+          </a:fontRef>
+        </p:style>
+        <p:txBody>
+          <a:bodyPr rtlCol="0" anchor="ctr"/>
+          <a:lstStyle/>
+          <a:p>
+            <a:pPr algn="ctr"/>
+            <a:endParaRPr lang="en-US"/>
+          </a:p>
+        </p:txBody>
+      </p:sp>
+      <p:sp>
+        <p:nvSpPr>
+          <p:cNvPr id="35" name="Rectangle 34">
+            <a:extLst>
+              <a:ext uri="{FF2B5EF4-FFF2-40B4-BE49-F238E27FC236}">
+                <a16:creationId xmlns:a16="http://schemas.microsoft.com/office/drawing/2014/main" id="{D6CF29CD-38B8-4924-BA11-6D60517487EF}"/>
+              </a:ext>
+              <a:ext uri="{C183D7F6-B498-43B3-948B-1728B52AA6E4}">
+                <adec:decorative xmlns:adec="http://schemas.microsoft.com/office/drawing/2017/decorative" val="1"/>
+              </a:ext>
+            </a:extLst>
+          </p:cNvPr>
+          <p:cNvSpPr>
+            <a:spLocks noGrp="1" noRot="1" noChangeAspect="1" noMove="1" noResize="1" noEditPoints="1" noAdjustHandles="1" noChangeArrowheads="1" noChangeShapeType="1" noTextEdit="1"/>
+          </p:cNvSpPr>
+          <p:nvPr>
+            <p:extLst>
+              <p:ext uri="{386F3935-93C4-4BCD-93E2-E3B085C9AB24}">
+                <p16:designElem xmlns:p16="http://schemas.microsoft.com/office/powerpoint/2015/main" val="1"/>
+              </p:ext>
+            </p:extLst>
+          </p:nvPr>
+        </p:nvSpPr>
+        <p:spPr>
+          <a:xfrm>
+            <a:off x="0" y="0"/>
+            <a:ext cx="12192000" cy="2615184"/>
+          </a:xfrm>
+          <a:prstGeom prst="rect">
+            <a:avLst/>
+          </a:prstGeom>
+          <a:solidFill>
+            <a:srgbClr val="404040"/>
+          </a:solidFill>
+          <a:ln>
+            <a:noFill/>
+          </a:ln>
+        </p:spPr>
+        <p:style>
+          <a:lnRef idx="2">
+            <a:schemeClr val="accent1">
+              <a:shade val="50000"/>
+            </a:schemeClr>
+          </a:lnRef>
+          <a:fillRef idx="1">
+            <a:schemeClr val="accent1"/>
+          </a:fillRef>
+          <a:effectRef idx="0">
+            <a:schemeClr val="accent1"/>
+          </a:effectRef>
+          <a:fontRef idx="minor">
+            <a:schemeClr val="lt1"/>
+          </a:fontRef>
+        </p:style>
+        <p:txBody>
+          <a:bodyPr rtlCol="0" anchor="ctr"/>
+          <a:lstStyle/>
+          <a:p>
+            <a:pPr algn="ctr"/>
+            <a:endParaRPr lang="en-US"/>
+          </a:p>
+        </p:txBody>
+      </p:sp>
+      <p:sp>
+        <p:nvSpPr>
+          <p:cNvPr id="2" name="Titre 1">
+            <a:extLst>
+              <a:ext uri="{FF2B5EF4-FFF2-40B4-BE49-F238E27FC236}">
+                <a16:creationId xmlns:a16="http://schemas.microsoft.com/office/drawing/2014/main" id="{637D5279-79E6-4C2B-BEB2-0AFF7114C730}"/>
+              </a:ext>
+            </a:extLst>
+          </p:cNvPr>
+          <p:cNvSpPr>
+            <a:spLocks noGrp="1"/>
+          </p:cNvSpPr>
+          <p:nvPr>
+            <p:ph type="title"/>
+          </p:nvPr>
+        </p:nvSpPr>
+        <p:spPr>
+          <a:xfrm>
+            <a:off x="713295" y="621389"/>
+            <a:ext cx="10765410" cy="1207269"/>
+          </a:xfrm>
+        </p:spPr>
+        <p:txBody>
+          <a:bodyPr vert="horz" lIns="91440" tIns="45720" rIns="91440" bIns="45720" rtlCol="0" anchor="b">
+            <a:normAutofit/>
+          </a:bodyPr>
+          <a:lstStyle/>
+          <a:p>
+            <a:pPr algn="ctr"/>
+            <a:r>
+              <a:rPr lang="en-US" sz="6000" kern="1200">
+                <a:solidFill>
+                  <a:srgbClr val="FFFFFF"/>
+                </a:solidFill>
+                <a:latin typeface="+mj-lt"/>
+                <a:ea typeface="+mj-ea"/>
+                <a:cs typeface="+mj-cs"/>
+              </a:rPr>
+              <a:t>Issue : memory consumption</a:t>
+            </a:r>
+          </a:p>
+        </p:txBody>
+      </p:sp>
+      <p:sp>
+        <p:nvSpPr>
+          <p:cNvPr id="3" name="Espace réservé du contenu 2">
+            <a:extLst>
+              <a:ext uri="{FF2B5EF4-FFF2-40B4-BE49-F238E27FC236}">
+                <a16:creationId xmlns:a16="http://schemas.microsoft.com/office/drawing/2014/main" id="{0D0796A5-5079-471F-BABA-4B46C484F083}"/>
+              </a:ext>
+            </a:extLst>
+          </p:cNvPr>
+          <p:cNvSpPr>
+            <a:spLocks noGrp="1"/>
+          </p:cNvSpPr>
+          <p:nvPr>
+            <p:ph idx="1"/>
+          </p:nvPr>
+        </p:nvSpPr>
+        <p:spPr>
+          <a:xfrm>
+            <a:off x="1491459" y="2993365"/>
+            <a:ext cx="9426806" cy="719122"/>
+          </a:xfrm>
+        </p:spPr>
+        <p:txBody>
+          <a:bodyPr vert="horz" lIns="91440" tIns="45720" rIns="91440" bIns="45720" rtlCol="0">
+            <a:normAutofit/>
+          </a:bodyPr>
+          <a:lstStyle/>
+          <a:p>
+            <a:pPr marL="0" indent="0" algn="ctr">
+              <a:buNone/>
+            </a:pPr>
+            <a:r>
+              <a:rPr lang="en-US" sz="2400" kern="1200" dirty="0">
+                <a:latin typeface="+mn-lt"/>
+                <a:ea typeface="+mn-ea"/>
+                <a:cs typeface="+mn-cs"/>
+              </a:rPr>
+              <a:t>Suffix array : memory in O(n!) -&gt; </a:t>
+            </a:r>
+            <a:r>
+              <a:rPr lang="en-US" sz="2400" kern="1200" dirty="0" err="1">
+                <a:latin typeface="+mn-lt"/>
+                <a:ea typeface="+mn-ea"/>
+                <a:cs typeface="+mn-cs"/>
+              </a:rPr>
+              <a:t>unpossible</a:t>
+            </a:r>
+            <a:r>
+              <a:rPr lang="en-US" sz="2400" kern="1200" dirty="0">
+                <a:latin typeface="+mn-lt"/>
+                <a:ea typeface="+mn-ea"/>
+                <a:cs typeface="+mn-cs"/>
+              </a:rPr>
+              <a:t> to compute for n&gt;2000…</a:t>
+            </a:r>
+          </a:p>
+        </p:txBody>
+      </p:sp>
+      <p:pic>
+        <p:nvPicPr>
+          <p:cNvPr id="28" name="Image 27">
+            <a:extLst>
+              <a:ext uri="{FF2B5EF4-FFF2-40B4-BE49-F238E27FC236}">
+                <a16:creationId xmlns:a16="http://schemas.microsoft.com/office/drawing/2014/main" id="{47565982-3B33-4743-9319-53A26B9AB282}"/>
+              </a:ext>
+            </a:extLst>
+          </p:cNvPr>
+          <p:cNvPicPr>
+            <a:picLocks noChangeAspect="1"/>
+          </p:cNvPicPr>
+          <p:nvPr/>
+        </p:nvPicPr>
+        <p:blipFill>
+          <a:blip r:embed="rId2">
+            <a:extLst>
+              <a:ext uri="{28A0092B-C50C-407E-A947-70E740481C1C}">
+                <a14:useLocalDpi xmlns:a14="http://schemas.microsoft.com/office/drawing/2010/main" val="0"/>
+              </a:ext>
+            </a:extLst>
+          </a:blip>
+          <a:stretch>
+            <a:fillRect/>
+          </a:stretch>
+        </p:blipFill>
+        <p:spPr>
+          <a:xfrm>
+            <a:off x="650449" y="3712487"/>
+            <a:ext cx="10901471" cy="2507338"/>
+          </a:xfrm>
+          <a:prstGeom prst="rect">
+            <a:avLst/>
+          </a:prstGeom>
+        </p:spPr>
+      </p:pic>
+      <p:sp>
+        <p:nvSpPr>
+          <p:cNvPr id="30" name="ZoneTexte 29">
+            <a:extLst>
+              <a:ext uri="{FF2B5EF4-FFF2-40B4-BE49-F238E27FC236}">
+                <a16:creationId xmlns:a16="http://schemas.microsoft.com/office/drawing/2014/main" id="{41B41095-673B-4F99-B46E-16235DBFD02B}"/>
+              </a:ext>
+            </a:extLst>
+          </p:cNvPr>
+          <p:cNvSpPr txBox="1"/>
+          <p:nvPr/>
+        </p:nvSpPr>
+        <p:spPr>
+          <a:xfrm>
+            <a:off x="3197247" y="6035159"/>
+            <a:ext cx="3422091" cy="369332"/>
+          </a:xfrm>
+          <a:prstGeom prst="rect">
+            <a:avLst/>
+          </a:prstGeom>
+          <a:noFill/>
+        </p:spPr>
+        <p:txBody>
+          <a:bodyPr wrap="none" rtlCol="0">
+            <a:spAutoFit/>
+          </a:bodyPr>
+          <a:lstStyle/>
+          <a:p>
+            <a:r>
+              <a:rPr lang="fr-FR" dirty="0"/>
+              <a:t>2 </a:t>
+            </a:r>
+            <a:r>
+              <a:rPr lang="fr-FR" dirty="0" err="1"/>
+              <a:t>Parameters</a:t>
+            </a:r>
+            <a:r>
+              <a:rPr lang="fr-FR" dirty="0"/>
+              <a:t> : </a:t>
+            </a:r>
+            <a:r>
+              <a:rPr lang="fr-FR" dirty="0" err="1"/>
+              <a:t>Length</a:t>
+            </a:r>
+            <a:r>
+              <a:rPr lang="fr-FR" dirty="0"/>
+              <a:t> and </a:t>
+            </a:r>
+            <a:r>
+              <a:rPr lang="fr-FR" dirty="0" err="1"/>
+              <a:t>Overlap</a:t>
+            </a:r>
+            <a:endParaRPr lang="fr-FR" dirty="0"/>
+          </a:p>
+        </p:txBody>
+      </p:sp>
+    </p:spTree>
+    <p:extLst>
+      <p:ext uri="{BB962C8B-B14F-4D97-AF65-F5344CB8AC3E}">
+        <p14:creationId xmlns:p14="http://schemas.microsoft.com/office/powerpoint/2010/main" val="1355656772"/>
+      </p:ext>
+    </p:extLst>
+  </p:cSld>
+  <p:clrMapOvr>
+    <a:masterClrMapping/>
+  </p:clrMapOvr>
+</p:sld>
+</file>
+
+<file path=ppt/slides/slide18.xml><?xml version="1.0" encoding="utf-8"?>
+<p:sld xmlns:a="http://schemas.openxmlformats.org/drawingml/2006/main" xmlns:r="http://schemas.openxmlformats.org/officeDocument/2006/relationships" xmlns:p="http://schemas.openxmlformats.org/presentationml/2006/main">
+  <p:cSld>
+    <p:spTree>
+      <p:nvGrpSpPr>
+        <p:cNvPr id="1" name=""/>
+        <p:cNvGrpSpPr/>
+        <p:nvPr/>
+      </p:nvGrpSpPr>
+      <p:grpSpPr>
+        <a:xfrm>
+          <a:off x="0" y="0"/>
+          <a:ext cx="0" cy="0"/>
+          <a:chOff x="0" y="0"/>
+          <a:chExt cx="0" cy="0"/>
+        </a:xfrm>
+      </p:grpSpPr>
+      <p:sp>
+        <p:nvSpPr>
+          <p:cNvPr id="2" name="Titre 1">
+            <a:extLst>
+              <a:ext uri="{FF2B5EF4-FFF2-40B4-BE49-F238E27FC236}">
+                <a16:creationId xmlns:a16="http://schemas.microsoft.com/office/drawing/2014/main" id="{E60A89BF-BACA-4781-B45D-9532B4005C5A}"/>
+              </a:ext>
+            </a:extLst>
+          </p:cNvPr>
+          <p:cNvSpPr>
+            <a:spLocks noGrp="1"/>
+          </p:cNvSpPr>
+          <p:nvPr>
+            <p:ph type="title"/>
+          </p:nvPr>
+        </p:nvSpPr>
+        <p:spPr/>
+        <p:txBody>
+          <a:bodyPr/>
+          <a:lstStyle/>
+          <a:p>
+            <a:r>
+              <a:rPr lang="fr-FR" dirty="0" err="1"/>
+              <a:t>Search</a:t>
+            </a:r>
+            <a:r>
+              <a:rPr lang="fr-FR" dirty="0"/>
+              <a:t> « ATTA » in a 10000 </a:t>
+            </a:r>
+            <a:r>
+              <a:rPr lang="fr-FR" dirty="0" err="1"/>
+              <a:t>length</a:t>
+            </a:r>
+            <a:r>
+              <a:rPr lang="fr-FR" dirty="0"/>
+              <a:t> </a:t>
+            </a:r>
+            <a:r>
+              <a:rPr lang="fr-FR" dirty="0" err="1"/>
+              <a:t>sequence</a:t>
+            </a:r>
+            <a:endParaRPr lang="fr-FR" dirty="0"/>
+          </a:p>
+        </p:txBody>
+      </p:sp>
+      <p:sp>
+        <p:nvSpPr>
+          <p:cNvPr id="3" name="Espace réservé du contenu 2">
+            <a:extLst>
+              <a:ext uri="{FF2B5EF4-FFF2-40B4-BE49-F238E27FC236}">
+                <a16:creationId xmlns:a16="http://schemas.microsoft.com/office/drawing/2014/main" id="{DE7384DD-8F54-4159-BE23-298EB37BC01A}"/>
+              </a:ext>
+            </a:extLst>
+          </p:cNvPr>
+          <p:cNvSpPr>
+            <a:spLocks noGrp="1"/>
+          </p:cNvSpPr>
+          <p:nvPr>
+            <p:ph idx="1"/>
+          </p:nvPr>
+        </p:nvSpPr>
+        <p:spPr/>
+        <p:txBody>
+          <a:bodyPr/>
+          <a:lstStyle/>
+          <a:p>
+            <a:endParaRPr lang="fr-FR"/>
+          </a:p>
+        </p:txBody>
+      </p:sp>
+      <p:pic>
+        <p:nvPicPr>
+          <p:cNvPr id="5" name="Image 4">
+            <a:extLst>
+              <a:ext uri="{FF2B5EF4-FFF2-40B4-BE49-F238E27FC236}">
+                <a16:creationId xmlns:a16="http://schemas.microsoft.com/office/drawing/2014/main" id="{B80149AD-9721-4E09-9CF0-C03497211287}"/>
+              </a:ext>
+            </a:extLst>
+          </p:cNvPr>
+          <p:cNvPicPr>
+            <a:picLocks noChangeAspect="1"/>
+          </p:cNvPicPr>
+          <p:nvPr/>
+        </p:nvPicPr>
+        <p:blipFill>
+          <a:blip r:embed="rId2"/>
+          <a:stretch>
+            <a:fillRect/>
+          </a:stretch>
+        </p:blipFill>
+        <p:spPr>
+          <a:xfrm>
+            <a:off x="690880" y="1690688"/>
+            <a:ext cx="10810240" cy="5095468"/>
+          </a:xfrm>
+          <a:prstGeom prst="rect">
+            <a:avLst/>
+          </a:prstGeom>
+        </p:spPr>
+      </p:pic>
+    </p:spTree>
+    <p:extLst>
+      <p:ext uri="{BB962C8B-B14F-4D97-AF65-F5344CB8AC3E}">
+        <p14:creationId xmlns:p14="http://schemas.microsoft.com/office/powerpoint/2010/main" val="1756292450"/>
+      </p:ext>
+    </p:extLst>
+  </p:cSld>
+  <p:clrMapOvr>
+    <a:masterClrMapping/>
+  </p:clrMapOvr>
+</p:sld>
+</file>
+
+<file path=ppt/slides/slide19.xml><?xml version="1.0" encoding="utf-8"?>
 <p:sld xmlns:a="http://schemas.openxmlformats.org/drawingml/2006/main" xmlns:r="http://schemas.openxmlformats.org/officeDocument/2006/relationships" xmlns:p="http://schemas.openxmlformats.org/presentationml/2006/main">
   <p:cSld>
     <p:bg>
@@ -26656,101 +27388,6 @@
   </p:cSld>
   <p:clrMapOvr>
     <a:overrideClrMapping bg1="dk1" tx1="lt1" bg2="dk2" tx2="lt2" accent1="accent1" accent2="accent2" accent3="accent3" accent4="accent4" accent5="accent5" accent6="accent6" hlink="hlink" folHlink="folHlink"/>
-  </p:clrMapOvr>
-</p:sld>
-</file>
-
-<file path=ppt/slides/slide17.xml><?xml version="1.0" encoding="utf-8"?>
-<p:sld xmlns:a="http://schemas.openxmlformats.org/drawingml/2006/main" xmlns:r="http://schemas.openxmlformats.org/officeDocument/2006/relationships" xmlns:p="http://schemas.openxmlformats.org/presentationml/2006/main">
-  <p:cSld>
-    <p:spTree>
-      <p:nvGrpSpPr>
-        <p:cNvPr id="1" name=""/>
-        <p:cNvGrpSpPr/>
-        <p:nvPr/>
-      </p:nvGrpSpPr>
-      <p:grpSpPr>
-        <a:xfrm>
-          <a:off x="0" y="0"/>
-          <a:ext cx="0" cy="0"/>
-          <a:chOff x="0" y="0"/>
-          <a:chExt cx="0" cy="0"/>
-        </a:xfrm>
-      </p:grpSpPr>
-      <p:sp>
-        <p:nvSpPr>
-          <p:cNvPr id="2" name="Title 1">
-            <a:extLst>
-              <a:ext uri="{FF2B5EF4-FFF2-40B4-BE49-F238E27FC236}">
-                <a16:creationId xmlns:a16="http://schemas.microsoft.com/office/drawing/2014/main" id="{12F512F1-46BA-42CF-B565-F7D1FBA2F0E6}"/>
-              </a:ext>
-            </a:extLst>
-          </p:cNvPr>
-          <p:cNvSpPr>
-            <a:spLocks noGrp="1"/>
-          </p:cNvSpPr>
-          <p:nvPr>
-            <p:ph type="title"/>
-          </p:nvPr>
-        </p:nvSpPr>
-        <p:spPr/>
-        <p:txBody>
-          <a:bodyPr/>
-          <a:lstStyle/>
-          <a:p>
-            <a:r>
-              <a:rPr lang="en-GB" dirty="0"/>
-              <a:t>Conclusion and perspectives</a:t>
-            </a:r>
-            <a:endParaRPr lang="fr-FR" dirty="0"/>
-          </a:p>
-        </p:txBody>
-      </p:sp>
-      <p:sp>
-        <p:nvSpPr>
-          <p:cNvPr id="3" name="Content Placeholder 2">
-            <a:extLst>
-              <a:ext uri="{FF2B5EF4-FFF2-40B4-BE49-F238E27FC236}">
-                <a16:creationId xmlns:a16="http://schemas.microsoft.com/office/drawing/2014/main" id="{E66E35A6-978F-406E-8931-F7E127F9C30B}"/>
-              </a:ext>
-            </a:extLst>
-          </p:cNvPr>
-          <p:cNvSpPr>
-            <a:spLocks noGrp="1"/>
-          </p:cNvSpPr>
-          <p:nvPr>
-            <p:ph idx="1"/>
-          </p:nvPr>
-        </p:nvSpPr>
-        <p:spPr/>
-        <p:txBody>
-          <a:bodyPr/>
-          <a:lstStyle/>
-          <a:p>
-            <a:r>
-              <a:rPr lang="en-GB" dirty="0"/>
-              <a:t>Add errors or mutations: quantify sequence </a:t>
-            </a:r>
-            <a:r>
-              <a:rPr lang="en-GB"/>
-              <a:t>and read matching</a:t>
-            </a:r>
-            <a:endParaRPr lang="en-GB" dirty="0"/>
-          </a:p>
-          <a:p>
-            <a:endParaRPr lang="fr-FR" dirty="0"/>
-          </a:p>
-        </p:txBody>
-      </p:sp>
-    </p:spTree>
-    <p:extLst>
-      <p:ext uri="{BB962C8B-B14F-4D97-AF65-F5344CB8AC3E}">
-        <p14:creationId xmlns:p14="http://schemas.microsoft.com/office/powerpoint/2010/main" val="1617750715"/>
-      </p:ext>
-    </p:extLst>
-  </p:cSld>
-  <p:clrMapOvr>
-    <a:masterClrMapping/>
   </p:clrMapOvr>
 </p:sld>
 </file>
@@ -26960,6 +27597,101 @@
   </p:cSld>
   <p:clrMapOvr>
     <a:overrideClrMapping bg1="dk1" tx1="lt1" bg2="dk2" tx2="lt2" accent1="accent1" accent2="accent2" accent3="accent3" accent4="accent4" accent5="accent5" accent6="accent6" hlink="hlink" folHlink="folHlink"/>
+  </p:clrMapOvr>
+</p:sld>
+</file>
+
+<file path=ppt/slides/slide20.xml><?xml version="1.0" encoding="utf-8"?>
+<p:sld xmlns:a="http://schemas.openxmlformats.org/drawingml/2006/main" xmlns:r="http://schemas.openxmlformats.org/officeDocument/2006/relationships" xmlns:p="http://schemas.openxmlformats.org/presentationml/2006/main">
+  <p:cSld>
+    <p:spTree>
+      <p:nvGrpSpPr>
+        <p:cNvPr id="1" name=""/>
+        <p:cNvGrpSpPr/>
+        <p:nvPr/>
+      </p:nvGrpSpPr>
+      <p:grpSpPr>
+        <a:xfrm>
+          <a:off x="0" y="0"/>
+          <a:ext cx="0" cy="0"/>
+          <a:chOff x="0" y="0"/>
+          <a:chExt cx="0" cy="0"/>
+        </a:xfrm>
+      </p:grpSpPr>
+      <p:sp>
+        <p:nvSpPr>
+          <p:cNvPr id="2" name="Title 1">
+            <a:extLst>
+              <a:ext uri="{FF2B5EF4-FFF2-40B4-BE49-F238E27FC236}">
+                <a16:creationId xmlns:a16="http://schemas.microsoft.com/office/drawing/2014/main" id="{12F512F1-46BA-42CF-B565-F7D1FBA2F0E6}"/>
+              </a:ext>
+            </a:extLst>
+          </p:cNvPr>
+          <p:cNvSpPr>
+            <a:spLocks noGrp="1"/>
+          </p:cNvSpPr>
+          <p:nvPr>
+            <p:ph type="title"/>
+          </p:nvPr>
+        </p:nvSpPr>
+        <p:spPr/>
+        <p:txBody>
+          <a:bodyPr/>
+          <a:lstStyle/>
+          <a:p>
+            <a:r>
+              <a:rPr lang="en-GB" dirty="0"/>
+              <a:t>Conclusion and perspectives</a:t>
+            </a:r>
+            <a:endParaRPr lang="fr-FR" dirty="0"/>
+          </a:p>
+        </p:txBody>
+      </p:sp>
+      <p:sp>
+        <p:nvSpPr>
+          <p:cNvPr id="3" name="Content Placeholder 2">
+            <a:extLst>
+              <a:ext uri="{FF2B5EF4-FFF2-40B4-BE49-F238E27FC236}">
+                <a16:creationId xmlns:a16="http://schemas.microsoft.com/office/drawing/2014/main" id="{E66E35A6-978F-406E-8931-F7E127F9C30B}"/>
+              </a:ext>
+            </a:extLst>
+          </p:cNvPr>
+          <p:cNvSpPr>
+            <a:spLocks noGrp="1"/>
+          </p:cNvSpPr>
+          <p:nvPr>
+            <p:ph idx="1"/>
+          </p:nvPr>
+        </p:nvSpPr>
+        <p:spPr/>
+        <p:txBody>
+          <a:bodyPr/>
+          <a:lstStyle/>
+          <a:p>
+            <a:r>
+              <a:rPr lang="en-GB" dirty="0"/>
+              <a:t>Add errors or mutations: quantify sequence </a:t>
+            </a:r>
+            <a:r>
+              <a:rPr lang="en-GB"/>
+              <a:t>and read matching</a:t>
+            </a:r>
+            <a:endParaRPr lang="en-GB" dirty="0"/>
+          </a:p>
+          <a:p>
+            <a:endParaRPr lang="fr-FR" dirty="0"/>
+          </a:p>
+        </p:txBody>
+      </p:sp>
+    </p:spTree>
+    <p:extLst>
+      <p:ext uri="{BB962C8B-B14F-4D97-AF65-F5344CB8AC3E}">
+        <p14:creationId xmlns:p14="http://schemas.microsoft.com/office/powerpoint/2010/main" val="1617750715"/>
+      </p:ext>
+    </p:extLst>
+  </p:cSld>
+  <p:clrMapOvr>
+    <a:masterClrMapping/>
   </p:clrMapOvr>
 </p:sld>
 </file>

--- a/EXAM-Genome mapping.pptx
+++ b/EXAM-Genome mapping.pptx
@@ -181,7 +181,7 @@
 <file path=ppt/revisionInfo.xml><?xml version="1.0" encoding="utf-8"?>
 <p1510:revInfo xmlns:a="http://schemas.openxmlformats.org/drawingml/2006/main" xmlns:r="http://schemas.openxmlformats.org/officeDocument/2006/relationships" xmlns:p1510="http://schemas.microsoft.com/office/powerpoint/2015/10/main">
   <p1510:revLst>
-    <p1510:client id="{E5C914E5-F35F-4FDB-85B0-D956C376AD3C}" v="98" dt="2022-03-14T10:04:33.011"/>
+    <p1510:client id="{E5C914E5-F35F-4FDB-85B0-D956C376AD3C}" v="147" dt="2022-03-14T13:31:55.515"/>
   </p1510:revLst>
 </p1510:revInfo>
 </file>
@@ -191,12 +191,12 @@
   <pc:docChgLst>
     <pc:chgData name="Corentin Soubeiran" userId="d1015db5124ff308" providerId="LiveId" clId="{E5C914E5-F35F-4FDB-85B0-D956C376AD3C}"/>
     <pc:docChg chg="undo custSel addSld delSld modSld addSection modSection">
-      <pc:chgData name="Corentin Soubeiran" userId="d1015db5124ff308" providerId="LiveId" clId="{E5C914E5-F35F-4FDB-85B0-D956C376AD3C}" dt="2022-03-14T10:14:57.371" v="304" actId="20577"/>
+      <pc:chgData name="Corentin Soubeiran" userId="d1015db5124ff308" providerId="LiveId" clId="{E5C914E5-F35F-4FDB-85B0-D956C376AD3C}" dt="2022-03-14T13:31:55.515" v="494" actId="20577"/>
       <pc:docMkLst>
         <pc:docMk/>
       </pc:docMkLst>
-      <pc:sldChg chg="addSp delSp modSp mod setBg">
-        <pc:chgData name="Corentin Soubeiran" userId="d1015db5124ff308" providerId="LiveId" clId="{E5C914E5-F35F-4FDB-85B0-D956C376AD3C}" dt="2022-03-14T09:59:25.938" v="220" actId="1076"/>
+      <pc:sldChg chg="addSp delSp modSp mod setBg modNotesTx">
+        <pc:chgData name="Corentin Soubeiran" userId="d1015db5124ff308" providerId="LiveId" clId="{E5C914E5-F35F-4FDB-85B0-D956C376AD3C}" dt="2022-03-14T13:28:55.601" v="493" actId="1076"/>
         <pc:sldMkLst>
           <pc:docMk/>
           <pc:sldMk cId="2407150982" sldId="259"/>
@@ -215,6 +215,22 @@
             <pc:docMk/>
             <pc:sldMk cId="2407150982" sldId="259"/>
             <ac:spMk id="3" creationId="{ADBE7634-FCF0-451E-8429-10B89DAD37AD}"/>
+          </ac:spMkLst>
+        </pc:spChg>
+        <pc:spChg chg="add mod">
+          <ac:chgData name="Corentin Soubeiran" userId="d1015db5124ff308" providerId="LiveId" clId="{E5C914E5-F35F-4FDB-85B0-D956C376AD3C}" dt="2022-03-14T13:26:36.867" v="453" actId="1037"/>
+          <ac:spMkLst>
+            <pc:docMk/>
+            <pc:sldMk cId="2407150982" sldId="259"/>
+            <ac:spMk id="3" creationId="{BC0D323D-19C8-4029-92C6-611AFB760E37}"/>
+          </ac:spMkLst>
+        </pc:spChg>
+        <pc:spChg chg="add mod">
+          <ac:chgData name="Corentin Soubeiran" userId="d1015db5124ff308" providerId="LiveId" clId="{E5C914E5-F35F-4FDB-85B0-D956C376AD3C}" dt="2022-03-14T13:28:55.601" v="493" actId="1076"/>
+          <ac:spMkLst>
+            <pc:docMk/>
+            <pc:sldMk cId="2407150982" sldId="259"/>
+            <ac:spMk id="8" creationId="{B5CC85AB-E5AE-4DB1-87D3-43E637B40AB1}"/>
           </ac:spMkLst>
         </pc:spChg>
         <pc:spChg chg="add mod">
@@ -242,7 +258,7 @@
           </ac:spMkLst>
         </pc:spChg>
         <pc:spChg chg="add mod">
-          <ac:chgData name="Corentin Soubeiran" userId="d1015db5124ff308" providerId="LiveId" clId="{E5C914E5-F35F-4FDB-85B0-D956C376AD3C}" dt="2022-03-14T09:52:22.136" v="134" actId="1035"/>
+          <ac:chgData name="Corentin Soubeiran" userId="d1015db5124ff308" providerId="LiveId" clId="{E5C914E5-F35F-4FDB-85B0-D956C376AD3C}" dt="2022-03-14T13:11:19.010" v="319" actId="20577"/>
           <ac:spMkLst>
             <pc:docMk/>
             <pc:sldMk cId="2407150982" sldId="259"/>
@@ -255,6 +271,14 @@
             <pc:docMk/>
             <pc:sldMk cId="2407150982" sldId="259"/>
             <ac:spMk id="19" creationId="{E2CA68D6-E9FB-4440-BC8F-798872745656}"/>
+          </ac:spMkLst>
+        </pc:spChg>
+        <pc:spChg chg="add mod">
+          <ac:chgData name="Corentin Soubeiran" userId="d1015db5124ff308" providerId="LiveId" clId="{E5C914E5-F35F-4FDB-85B0-D956C376AD3C}" dt="2022-03-14T13:27:43.703" v="463" actId="1076"/>
+          <ac:spMkLst>
+            <pc:docMk/>
+            <pc:sldMk cId="2407150982" sldId="259"/>
+            <ac:spMk id="21" creationId="{06F67202-A64F-44B7-89A3-8F3FDD2D36B2}"/>
           </ac:spMkLst>
         </pc:spChg>
         <pc:picChg chg="add mod">
@@ -281,6 +305,14 @@
             <ac:picMk id="9" creationId="{6E76AEB0-AFE5-481B-9E79-B29765CB68C9}"/>
           </ac:picMkLst>
         </pc:picChg>
+        <pc:cxnChg chg="add mod">
+          <ac:chgData name="Corentin Soubeiran" userId="d1015db5124ff308" providerId="LiveId" clId="{E5C914E5-F35F-4FDB-85B0-D956C376AD3C}" dt="2022-03-14T13:28:23.227" v="466" actId="1582"/>
+          <ac:cxnSpMkLst>
+            <pc:docMk/>
+            <pc:sldMk cId="2407150982" sldId="259"/>
+            <ac:cxnSpMk id="6" creationId="{0335AEF4-8873-427B-B546-E863F8F92DF6}"/>
+          </ac:cxnSpMkLst>
+        </pc:cxnChg>
         <pc:cxnChg chg="add">
           <ac:chgData name="Corentin Soubeiran" userId="d1015db5124ff308" providerId="LiveId" clId="{E5C914E5-F35F-4FDB-85B0-D956C376AD3C}" dt="2022-03-14T09:50:52.383" v="52" actId="26606"/>
           <ac:cxnSpMkLst>
@@ -390,13 +422,13 @@
         </pc:picChg>
       </pc:sldChg>
       <pc:sldChg chg="modSp mod modNotesTx">
-        <pc:chgData name="Corentin Soubeiran" userId="d1015db5124ff308" providerId="LiveId" clId="{E5C914E5-F35F-4FDB-85B0-D956C376AD3C}" dt="2022-03-14T10:14:57.371" v="304" actId="20577"/>
+        <pc:chgData name="Corentin Soubeiran" userId="d1015db5124ff308" providerId="LiveId" clId="{E5C914E5-F35F-4FDB-85B0-D956C376AD3C}" dt="2022-03-14T13:14:37.306" v="390" actId="5793"/>
         <pc:sldMkLst>
           <pc:docMk/>
           <pc:sldMk cId="2968202922" sldId="272"/>
         </pc:sldMkLst>
         <pc:spChg chg="mod">
-          <ac:chgData name="Corentin Soubeiran" userId="d1015db5124ff308" providerId="LiveId" clId="{E5C914E5-F35F-4FDB-85B0-D956C376AD3C}" dt="2022-03-14T10:14:57.371" v="304" actId="20577"/>
+          <ac:chgData name="Corentin Soubeiran" userId="d1015db5124ff308" providerId="LiveId" clId="{E5C914E5-F35F-4FDB-85B0-D956C376AD3C}" dt="2022-03-14T13:14:22.938" v="345" actId="5793"/>
           <ac:spMkLst>
             <pc:docMk/>
             <pc:sldMk cId="2968202922" sldId="272"/>
@@ -404,7 +436,7 @@
           </ac:spMkLst>
         </pc:spChg>
         <pc:spChg chg="mod">
-          <ac:chgData name="Corentin Soubeiran" userId="d1015db5124ff308" providerId="LiveId" clId="{E5C914E5-F35F-4FDB-85B0-D956C376AD3C}" dt="2022-03-14T10:03:48.438" v="265" actId="313"/>
+          <ac:chgData name="Corentin Soubeiran" userId="d1015db5124ff308" providerId="LiveId" clId="{E5C914E5-F35F-4FDB-85B0-D956C376AD3C}" dt="2022-03-14T13:14:37.306" v="390" actId="5793"/>
           <ac:spMkLst>
             <pc:docMk/>
             <pc:sldMk cId="2968202922" sldId="272"/>
@@ -436,13 +468,13 @@
         </pc:picChg>
       </pc:sldChg>
       <pc:sldChg chg="modSp mod modNotesTx">
-        <pc:chgData name="Corentin Soubeiran" userId="d1015db5124ff308" providerId="LiveId" clId="{E5C914E5-F35F-4FDB-85B0-D956C376AD3C}" dt="2022-03-14T09:44:40.963" v="22" actId="20577"/>
+        <pc:chgData name="Corentin Soubeiran" userId="d1015db5124ff308" providerId="LiveId" clId="{E5C914E5-F35F-4FDB-85B0-D956C376AD3C}" dt="2022-03-14T13:31:55.515" v="494" actId="20577"/>
         <pc:sldMkLst>
           <pc:docMk/>
           <pc:sldMk cId="1355656772" sldId="274"/>
         </pc:sldMkLst>
         <pc:spChg chg="mod">
-          <ac:chgData name="Corentin Soubeiran" userId="d1015db5124ff308" providerId="LiveId" clId="{E5C914E5-F35F-4FDB-85B0-D956C376AD3C}" dt="2022-03-14T09:42:44.622" v="2" actId="313"/>
+          <ac:chgData name="Corentin Soubeiran" userId="d1015db5124ff308" providerId="LiveId" clId="{E5C914E5-F35F-4FDB-85B0-D956C376AD3C}" dt="2022-03-14T13:31:55.515" v="494" actId="20577"/>
           <ac:spMkLst>
             <pc:docMk/>
             <pc:sldMk cId="1355656772" sldId="274"/>
@@ -457,12 +489,20 @@
           <pc:sldMk cId="1756292450" sldId="275"/>
         </pc:sldMkLst>
       </pc:sldChg>
-      <pc:sldChg chg="modNotesTx">
-        <pc:chgData name="Corentin Soubeiran" userId="d1015db5124ff308" providerId="LiveId" clId="{E5C914E5-F35F-4FDB-85B0-D956C376AD3C}" dt="2022-03-14T09:44:31.476" v="10" actId="20577"/>
+      <pc:sldChg chg="addSp modSp mod modNotesTx">
+        <pc:chgData name="Corentin Soubeiran" userId="d1015db5124ff308" providerId="LiveId" clId="{E5C914E5-F35F-4FDB-85B0-D956C376AD3C}" dt="2022-03-14T13:15:37.378" v="396" actId="1076"/>
         <pc:sldMkLst>
           <pc:docMk/>
           <pc:sldMk cId="2726207446" sldId="276"/>
         </pc:sldMkLst>
+        <pc:picChg chg="add mod modCrop">
+          <ac:chgData name="Corentin Soubeiran" userId="d1015db5124ff308" providerId="LiveId" clId="{E5C914E5-F35F-4FDB-85B0-D956C376AD3C}" dt="2022-03-14T13:15:37.378" v="396" actId="1076"/>
+          <ac:picMkLst>
+            <pc:docMk/>
+            <pc:sldMk cId="2726207446" sldId="276"/>
+            <ac:picMk id="4" creationId="{22912A31-F4B2-48B6-939D-04DEECCFA60C}"/>
+          </ac:picMkLst>
+        </pc:picChg>
       </pc:sldChg>
       <pc:sldChg chg="addSp delSp modSp add del mod">
         <pc:chgData name="Corentin Soubeiran" userId="d1015db5124ff308" providerId="LiveId" clId="{E5C914E5-F35F-4FDB-85B0-D956C376AD3C}" dt="2022-03-14T09:44:06.679" v="6" actId="47"/>
@@ -17498,6 +17538,94 @@
           <a:p>
             <a:fld id="{6D1F61E6-AA82-49EF-987B-3075E6E961B1}" type="slidenum">
               <a:rPr lang="fr-FR" smtClean="0"/>
+              <a:t>7</a:t>
+            </a:fld>
+            <a:endParaRPr lang="fr-FR"/>
+          </a:p>
+        </p:txBody>
+      </p:sp>
+    </p:spTree>
+    <p:extLst>
+      <p:ext uri="{BB962C8B-B14F-4D97-AF65-F5344CB8AC3E}">
+        <p14:creationId xmlns:p14="http://schemas.microsoft.com/office/powerpoint/2010/main" val="167391457"/>
+      </p:ext>
+    </p:extLst>
+  </p:cSld>
+  <p:clrMapOvr>
+    <a:masterClrMapping/>
+  </p:clrMapOvr>
+</p:notes>
+</file>
+
+<file path=ppt/notesSlides/notesSlide2.xml><?xml version="1.0" encoding="utf-8"?>
+<p:notes xmlns:a="http://schemas.openxmlformats.org/drawingml/2006/main" xmlns:r="http://schemas.openxmlformats.org/officeDocument/2006/relationships" xmlns:p="http://schemas.openxmlformats.org/presentationml/2006/main">
+  <p:cSld>
+    <p:spTree>
+      <p:nvGrpSpPr>
+        <p:cNvPr id="1" name=""/>
+        <p:cNvGrpSpPr/>
+        <p:nvPr/>
+      </p:nvGrpSpPr>
+      <p:grpSpPr>
+        <a:xfrm>
+          <a:off x="0" y="0"/>
+          <a:ext cx="0" cy="0"/>
+          <a:chOff x="0" y="0"/>
+          <a:chExt cx="0" cy="0"/>
+        </a:xfrm>
+      </p:grpSpPr>
+      <p:sp>
+        <p:nvSpPr>
+          <p:cNvPr id="2" name="Slide Image Placeholder 1"/>
+          <p:cNvSpPr>
+            <a:spLocks noGrp="1" noRot="1" noChangeAspect="1"/>
+          </p:cNvSpPr>
+          <p:nvPr>
+            <p:ph type="sldImg"/>
+          </p:nvPr>
+        </p:nvSpPr>
+        <p:spPr/>
+      </p:sp>
+      <p:sp>
+        <p:nvSpPr>
+          <p:cNvPr id="3" name="Notes Placeholder 2"/>
+          <p:cNvSpPr>
+            <a:spLocks noGrp="1"/>
+          </p:cNvSpPr>
+          <p:nvPr>
+            <p:ph type="body" idx="1"/>
+          </p:nvPr>
+        </p:nvSpPr>
+        <p:spPr/>
+        <p:txBody>
+          <a:bodyPr/>
+          <a:lstStyle/>
+          <a:p>
+            <a:r>
+              <a:rPr lang="en-GB" dirty="0"/>
+              <a:t>Axel</a:t>
+            </a:r>
+            <a:endParaRPr lang="fr-FR" dirty="0"/>
+          </a:p>
+        </p:txBody>
+      </p:sp>
+      <p:sp>
+        <p:nvSpPr>
+          <p:cNvPr id="4" name="Slide Number Placeholder 3"/>
+          <p:cNvSpPr>
+            <a:spLocks noGrp="1"/>
+          </p:cNvSpPr>
+          <p:nvPr>
+            <p:ph type="sldNum" sz="quarter" idx="5"/>
+          </p:nvPr>
+        </p:nvSpPr>
+        <p:spPr/>
+        <p:txBody>
+          <a:bodyPr/>
+          <a:lstStyle/>
+          <a:p>
+            <a:fld id="{6D1F61E6-AA82-49EF-987B-3075E6E961B1}" type="slidenum">
+              <a:rPr lang="fr-FR" smtClean="0"/>
               <a:t>13</a:t>
             </a:fld>
             <a:endParaRPr lang="fr-FR"/>
@@ -17517,7 +17645,7 @@
 </p:notes>
 </file>
 
-<file path=ppt/notesSlides/notesSlide2.xml><?xml version="1.0" encoding="utf-8"?>
+<file path=ppt/notesSlides/notesSlide3.xml><?xml version="1.0" encoding="utf-8"?>
 <p:notes xmlns:a="http://schemas.openxmlformats.org/drawingml/2006/main" xmlns:r="http://schemas.openxmlformats.org/officeDocument/2006/relationships" xmlns:p="http://schemas.openxmlformats.org/presentationml/2006/main">
   <p:cSld>
     <p:spTree>
@@ -17605,7 +17733,7 @@
 </p:notes>
 </file>
 
-<file path=ppt/notesSlides/notesSlide3.xml><?xml version="1.0" encoding="utf-8"?>
+<file path=ppt/notesSlides/notesSlide4.xml><?xml version="1.0" encoding="utf-8"?>
 <p:notes xmlns:a="http://schemas.openxmlformats.org/drawingml/2006/main" xmlns:r="http://schemas.openxmlformats.org/officeDocument/2006/relationships" xmlns:p="http://schemas.openxmlformats.org/presentationml/2006/main">
   <p:cSld>
     <p:spTree>
@@ -17693,7 +17821,7 @@
 </p:notes>
 </file>
 
-<file path=ppt/notesSlides/notesSlide4.xml><?xml version="1.0" encoding="utf-8"?>
+<file path=ppt/notesSlides/notesSlide5.xml><?xml version="1.0" encoding="utf-8"?>
 <p:notes xmlns:a="http://schemas.openxmlformats.org/drawingml/2006/main" xmlns:r="http://schemas.openxmlformats.org/officeDocument/2006/relationships" xmlns:p="http://schemas.openxmlformats.org/presentationml/2006/main">
   <p:cSld>
     <p:spTree>
@@ -24598,6 +24726,35 @@
           </a:prstGeom>
         </p:spPr>
       </p:pic>
+      <p:pic>
+        <p:nvPicPr>
+          <p:cNvPr id="4" name="Picture 3">
+            <a:extLst>
+              <a:ext uri="{FF2B5EF4-FFF2-40B4-BE49-F238E27FC236}">
+                <a16:creationId xmlns:a16="http://schemas.microsoft.com/office/drawing/2014/main" id="{22912A31-F4B2-48B6-939D-04DEECCFA60C}"/>
+              </a:ext>
+            </a:extLst>
+          </p:cNvPr>
+          <p:cNvPicPr>
+            <a:picLocks noChangeAspect="1"/>
+          </p:cNvPicPr>
+          <p:nvPr/>
+        </p:nvPicPr>
+        <p:blipFill rotWithShape="1">
+          <a:blip r:embed="rId4"/>
+          <a:srcRect b="70960"/>
+          <a:stretch/>
+        </p:blipFill>
+        <p:spPr>
+          <a:xfrm>
+            <a:off x="7539463" y="1806632"/>
+            <a:ext cx="4502360" cy="998080"/>
+          </a:xfrm>
+          <a:prstGeom prst="rect">
+            <a:avLst/>
+          </a:prstGeom>
+        </p:spPr>
+      </p:pic>
     </p:spTree>
     <p:extLst>
       <p:ext uri="{BB962C8B-B14F-4D97-AF65-F5344CB8AC3E}">
@@ -24651,11 +24808,7 @@
           <a:p>
             <a:r>
               <a:rPr lang="en-GB" dirty="0"/>
-              <a:t>Simple implementation </a:t>
-            </a:r>
-            <a:r>
-              <a:rPr lang="en-GB"/>
-              <a:t>- mapping</a:t>
+              <a:t>Simple implementation – construction/mapping</a:t>
             </a:r>
             <a:endParaRPr lang="fr-FR" dirty="0"/>
           </a:p>
@@ -24757,7 +24910,7 @@
         </p:spPr>
         <p:txBody>
           <a:bodyPr vert="horz" lIns="91440" tIns="45720" rIns="91440" bIns="45720" rtlCol="0">
-            <a:normAutofit fontScale="92500" lnSpcReduction="10000"/>
+            <a:normAutofit fontScale="92500" lnSpcReduction="20000"/>
           </a:bodyPr>
           <a:lstStyle>
             <a:lvl1pPr marL="228600" indent="-228600" algn="l" defTabSz="914400" rtl="0" eaLnBrk="1" latinLnBrk="0" hangingPunct="1">
@@ -24942,7 +25095,7 @@
             </a:r>
             <a:r>
               <a:rPr lang="en-GB" b="1" dirty="0"/>
-              <a:t>)</a:t>
+              <a:t>) for construction (limited by memory access)</a:t>
             </a:r>
           </a:p>
           <a:p>
@@ -25233,7 +25386,7 @@
                 <a:ea typeface="+mn-ea"/>
                 <a:cs typeface="+mn-cs"/>
               </a:rPr>
-              <a:t>Suffix array : memory in O(n!) -&gt; impossible to compute for n&gt;2000…</a:t>
+              <a:t>Suffix array : memory -&gt; impossible to compute for n&gt;2000…</a:t>
             </a:r>
           </a:p>
         </p:txBody>
@@ -27385,7 +27538,7 @@
           <p:nvPr/>
         </p:nvPicPr>
         <p:blipFill>
-          <a:blip r:embed="rId2"/>
+          <a:blip r:embed="rId3"/>
           <a:stretch>
             <a:fillRect/>
           </a:stretch>
@@ -27415,7 +27568,7 @@
           <p:nvPr/>
         </p:nvPicPr>
         <p:blipFill>
-          <a:blip r:embed="rId3"/>
+          <a:blip r:embed="rId4"/>
           <a:stretch>
             <a:fillRect/>
           </a:stretch>
@@ -27497,7 +27650,7 @@
           <p:nvPr/>
         </p:nvPicPr>
         <p:blipFill>
-          <a:blip r:embed="rId4"/>
+          <a:blip r:embed="rId5"/>
           <a:stretch>
             <a:fillRect/>
           </a:stretch>
@@ -27666,14 +27819,14 @@
           <a:p>
             <a:r>
               <a:rPr lang="en-GB" dirty="0"/>
-              <a:t>Compact suffix tires = Suffix Trees</a:t>
+              <a:t>Compact suffix tries = Suffix Trees</a:t>
             </a:r>
             <a:endParaRPr lang="fr-FR" dirty="0"/>
           </a:p>
         </p:txBody>
       </p:sp>
-      <mc:AlternateContent xmlns:mc="http://schemas.openxmlformats.org/markup-compatibility/2006">
-        <mc:Choice xmlns:a14="http://schemas.microsoft.com/office/drawing/2010/main" Requires="a14">
+      <mc:AlternateContent xmlns:mc="http://schemas.openxmlformats.org/markup-compatibility/2006" xmlns:a14="http://schemas.microsoft.com/office/drawing/2010/main">
+        <mc:Choice Requires="a14">
           <p:sp>
             <p:nvSpPr>
               <p:cNvPr id="19" name="TextBox 18">
@@ -27702,6 +27855,7 @@
               </a:bodyPr>
               <a:lstStyle/>
               <a:p>
+                <a:pPr/>
                 <a14:m>
                   <m:oMathPara xmlns:m="http://schemas.openxmlformats.org/officeDocument/2006/math">
                     <m:oMathParaPr>
@@ -27822,6 +27976,7 @@
                 </a:endParaRPr>
               </a:p>
               <a:p>
+                <a:pPr/>
                 <a14:m>
                   <m:oMathPara xmlns:m="http://schemas.openxmlformats.org/officeDocument/2006/math">
                     <m:oMathParaPr>
@@ -27907,7 +28062,7 @@
             </p:txBody>
           </p:sp>
         </mc:Choice>
-        <mc:Fallback>
+        <mc:Fallback xmlns="">
           <p:sp>
             <p:nvSpPr>
               <p:cNvPr id="19" name="TextBox 18">
@@ -27931,7 +28086,7 @@
                 <a:avLst/>
               </a:prstGeom>
               <a:blipFill>
-                <a:blip r:embed="rId5"/>
+                <a:blip r:embed="rId6"/>
                 <a:stretch>
                   <a:fillRect b="-6604"/>
                 </a:stretch>
@@ -27952,6 +28107,356 @@
           </p:sp>
         </mc:Fallback>
       </mc:AlternateContent>
+      <mc:AlternateContent xmlns:mc="http://schemas.openxmlformats.org/markup-compatibility/2006">
+        <mc:Choice xmlns:a14="http://schemas.microsoft.com/office/drawing/2010/main" Requires="a14">
+          <p:sp>
+            <p:nvSpPr>
+              <p:cNvPr id="3" name="TextBox 2">
+                <a:extLst>
+                  <a:ext uri="{FF2B5EF4-FFF2-40B4-BE49-F238E27FC236}">
+                    <a16:creationId xmlns:a16="http://schemas.microsoft.com/office/drawing/2014/main" id="{BC0D323D-19C8-4029-92C6-611AFB760E37}"/>
+                  </a:ext>
+                </a:extLst>
+              </p:cNvPr>
+              <p:cNvSpPr txBox="1"/>
+              <p:nvPr/>
+            </p:nvSpPr>
+            <p:spPr>
+              <a:xfrm>
+                <a:off x="688258" y="3814916"/>
+                <a:ext cx="3007875" cy="369332"/>
+              </a:xfrm>
+              <a:prstGeom prst="rect">
+                <a:avLst/>
+              </a:prstGeom>
+              <a:noFill/>
+            </p:spPr>
+            <p:txBody>
+              <a:bodyPr wrap="none" rtlCol="0">
+                <a:spAutoFit/>
+              </a:bodyPr>
+              <a:lstStyle/>
+              <a:p>
+                <a:r>
+                  <a:rPr lang="en-GB" dirty="0"/>
+                  <a:t>(of words) </a:t>
+                </a:r>
+                <a14:m>
+                  <m:oMath xmlns:m="http://schemas.openxmlformats.org/officeDocument/2006/math">
+                    <m:r>
+                      <m:rPr>
+                        <m:sty m:val="p"/>
+                      </m:rPr>
+                      <a:rPr lang="en-GB" b="0" i="0" smtClean="0">
+                        <a:latin typeface="Cambria Math" panose="02040503050406030204" pitchFamily="18" charset="0"/>
+                      </a:rPr>
+                      <m:t>research</m:t>
+                    </m:r>
+                    <m:r>
+                      <a:rPr lang="en-GB" b="0" i="0" smtClean="0">
+                        <a:latin typeface="Cambria Math" panose="02040503050406030204" pitchFamily="18" charset="0"/>
+                      </a:rPr>
+                      <m:t> </m:t>
+                    </m:r>
+                    <m:r>
+                      <a:rPr lang="en-GB" b="0" i="1" smtClean="0">
+                        <a:latin typeface="Cambria Math" panose="02040503050406030204" pitchFamily="18" charset="0"/>
+                      </a:rPr>
+                      <m:t>𝑂</m:t>
+                    </m:r>
+                    <m:r>
+                      <a:rPr lang="en-GB" b="0" i="1" smtClean="0">
+                        <a:latin typeface="Cambria Math" panose="02040503050406030204" pitchFamily="18" charset="0"/>
+                      </a:rPr>
+                      <m:t>(</m:t>
+                    </m:r>
+                    <m:r>
+                      <a:rPr lang="en-GB" b="0" i="1" smtClean="0">
+                        <a:latin typeface="Cambria Math" panose="02040503050406030204" pitchFamily="18" charset="0"/>
+                      </a:rPr>
+                      <m:t>𝑚</m:t>
+                    </m:r>
+                    <m:r>
+                      <a:rPr lang="en-GB" b="0" i="1" smtClean="0">
+                        <a:latin typeface="Cambria Math" panose="02040503050406030204" pitchFamily="18" charset="0"/>
+                      </a:rPr>
+                      <m:t>∗</m:t>
+                    </m:r>
+                    <m:r>
+                      <a:rPr lang="en-GB" b="0" i="1" smtClean="0">
+                        <a:latin typeface="Cambria Math" panose="02040503050406030204" pitchFamily="18" charset="0"/>
+                      </a:rPr>
+                      <m:t>𝑛</m:t>
+                    </m:r>
+                    <m:r>
+                      <a:rPr lang="en-GB" b="0" i="1" smtClean="0">
+                        <a:latin typeface="Cambria Math" panose="02040503050406030204" pitchFamily="18" charset="0"/>
+                      </a:rPr>
+                      <m:t>)</m:t>
+                    </m:r>
+                  </m:oMath>
+                </a14:m>
+                <a:endParaRPr lang="fr-FR" dirty="0"/>
+              </a:p>
+            </p:txBody>
+          </p:sp>
+        </mc:Choice>
+        <mc:Fallback>
+          <p:sp>
+            <p:nvSpPr>
+              <p:cNvPr id="3" name="TextBox 2">
+                <a:extLst>
+                  <a:ext uri="{FF2B5EF4-FFF2-40B4-BE49-F238E27FC236}">
+                    <a16:creationId xmlns:a16="http://schemas.microsoft.com/office/drawing/2014/main" id="{BC0D323D-19C8-4029-92C6-611AFB760E37}"/>
+                  </a:ext>
+                </a:extLst>
+              </p:cNvPr>
+              <p:cNvSpPr txBox="1">
+                <a:spLocks noRot="1" noChangeAspect="1" noMove="1" noResize="1" noEditPoints="1" noAdjustHandles="1" noChangeArrowheads="1" noChangeShapeType="1" noTextEdit="1"/>
+              </p:cNvSpPr>
+              <p:nvPr/>
+            </p:nvSpPr>
+            <p:spPr>
+              <a:xfrm>
+                <a:off x="688258" y="3814916"/>
+                <a:ext cx="3007875" cy="369332"/>
+              </a:xfrm>
+              <a:prstGeom prst="rect">
+                <a:avLst/>
+              </a:prstGeom>
+              <a:blipFill>
+                <a:blip r:embed="rId7"/>
+                <a:stretch>
+                  <a:fillRect l="-1826" t="-10000" b="-26667"/>
+                </a:stretch>
+              </a:blipFill>
+            </p:spPr>
+            <p:txBody>
+              <a:bodyPr/>
+              <a:lstStyle/>
+              <a:p>
+                <a:r>
+                  <a:rPr lang="fr-FR">
+                    <a:noFill/>
+                  </a:rPr>
+                  <a:t> </a:t>
+                </a:r>
+              </a:p>
+            </p:txBody>
+          </p:sp>
+        </mc:Fallback>
+      </mc:AlternateContent>
+      <mc:AlternateContent xmlns:mc="http://schemas.openxmlformats.org/markup-compatibility/2006">
+        <mc:Choice xmlns:a14="http://schemas.microsoft.com/office/drawing/2010/main" Requires="a14">
+          <p:sp>
+            <p:nvSpPr>
+              <p:cNvPr id="21" name="TextBox 20">
+                <a:extLst>
+                  <a:ext uri="{FF2B5EF4-FFF2-40B4-BE49-F238E27FC236}">
+                    <a16:creationId xmlns:a16="http://schemas.microsoft.com/office/drawing/2014/main" id="{06F67202-A64F-44B7-89A3-8F3FDD2D36B2}"/>
+                  </a:ext>
+                </a:extLst>
+              </p:cNvPr>
+              <p:cNvSpPr txBox="1"/>
+              <p:nvPr/>
+            </p:nvSpPr>
+            <p:spPr>
+              <a:xfrm>
+                <a:off x="4773308" y="3830450"/>
+                <a:ext cx="2929007" cy="369332"/>
+              </a:xfrm>
+              <a:prstGeom prst="rect">
+                <a:avLst/>
+              </a:prstGeom>
+              <a:noFill/>
+            </p:spPr>
+            <p:txBody>
+              <a:bodyPr wrap="none" rtlCol="0">
+                <a:spAutoFit/>
+              </a:bodyPr>
+              <a:lstStyle/>
+              <a:p>
+                <a:r>
+                  <a:rPr lang="en-GB" dirty="0"/>
+                  <a:t>(of sequence)</a:t>
+                </a:r>
+                <a14:m>
+                  <m:oMath xmlns:m="http://schemas.openxmlformats.org/officeDocument/2006/math">
+                    <m:r>
+                      <m:rPr>
+                        <m:sty m:val="p"/>
+                      </m:rPr>
+                      <a:rPr lang="en-GB">
+                        <a:latin typeface="Cambria Math" panose="02040503050406030204" pitchFamily="18" charset="0"/>
+                      </a:rPr>
+                      <m:t>research</m:t>
+                    </m:r>
+                    <m:r>
+                      <a:rPr lang="en-GB" b="0" i="1" smtClean="0">
+                        <a:latin typeface="Cambria Math" panose="02040503050406030204" pitchFamily="18" charset="0"/>
+                      </a:rPr>
+                      <m:t> </m:t>
+                    </m:r>
+                    <m:r>
+                      <a:rPr lang="en-GB" b="0" i="1" smtClean="0">
+                        <a:latin typeface="Cambria Math" panose="02040503050406030204" pitchFamily="18" charset="0"/>
+                      </a:rPr>
+                      <m:t>𝑂</m:t>
+                    </m:r>
+                    <m:r>
+                      <a:rPr lang="en-GB" b="0" i="1" smtClean="0">
+                        <a:latin typeface="Cambria Math" panose="02040503050406030204" pitchFamily="18" charset="0"/>
+                      </a:rPr>
+                      <m:t>(</m:t>
+                    </m:r>
+                    <m:r>
+                      <a:rPr lang="en-GB" b="0" i="1" smtClean="0">
+                        <a:latin typeface="Cambria Math" panose="02040503050406030204" pitchFamily="18" charset="0"/>
+                      </a:rPr>
+                      <m:t>𝑚</m:t>
+                    </m:r>
+                    <m:r>
+                      <a:rPr lang="en-GB" b="0" i="1" smtClean="0">
+                        <a:latin typeface="Cambria Math" panose="02040503050406030204" pitchFamily="18" charset="0"/>
+                      </a:rPr>
+                      <m:t>)</m:t>
+                    </m:r>
+                  </m:oMath>
+                </a14:m>
+                <a:endParaRPr lang="fr-FR" dirty="0"/>
+              </a:p>
+            </p:txBody>
+          </p:sp>
+        </mc:Choice>
+        <mc:Fallback>
+          <p:sp>
+            <p:nvSpPr>
+              <p:cNvPr id="21" name="TextBox 20">
+                <a:extLst>
+                  <a:ext uri="{FF2B5EF4-FFF2-40B4-BE49-F238E27FC236}">
+                    <a16:creationId xmlns:a16="http://schemas.microsoft.com/office/drawing/2014/main" id="{06F67202-A64F-44B7-89A3-8F3FDD2D36B2}"/>
+                  </a:ext>
+                </a:extLst>
+              </p:cNvPr>
+              <p:cNvSpPr txBox="1">
+                <a:spLocks noRot="1" noChangeAspect="1" noMove="1" noResize="1" noEditPoints="1" noAdjustHandles="1" noChangeArrowheads="1" noChangeShapeType="1" noTextEdit="1"/>
+              </p:cNvSpPr>
+              <p:nvPr/>
+            </p:nvSpPr>
+            <p:spPr>
+              <a:xfrm>
+                <a:off x="4773308" y="3830450"/>
+                <a:ext cx="2929007" cy="369332"/>
+              </a:xfrm>
+              <a:prstGeom prst="rect">
+                <a:avLst/>
+              </a:prstGeom>
+              <a:blipFill>
+                <a:blip r:embed="rId8"/>
+                <a:stretch>
+                  <a:fillRect l="-1663" t="-8197" r="-208" b="-24590"/>
+                </a:stretch>
+              </a:blipFill>
+            </p:spPr>
+            <p:txBody>
+              <a:bodyPr/>
+              <a:lstStyle/>
+              <a:p>
+                <a:r>
+                  <a:rPr lang="fr-FR">
+                    <a:noFill/>
+                  </a:rPr>
+                  <a:t> </a:t>
+                </a:r>
+              </a:p>
+            </p:txBody>
+          </p:sp>
+        </mc:Fallback>
+      </mc:AlternateContent>
+      <p:cxnSp>
+        <p:nvCxnSpPr>
+          <p:cNvPr id="6" name="Straight Arrow Connector 5">
+            <a:extLst>
+              <a:ext uri="{FF2B5EF4-FFF2-40B4-BE49-F238E27FC236}">
+                <a16:creationId xmlns:a16="http://schemas.microsoft.com/office/drawing/2014/main" id="{0335AEF4-8873-427B-B546-E863F8F92DF6}"/>
+              </a:ext>
+            </a:extLst>
+          </p:cNvPr>
+          <p:cNvCxnSpPr/>
+          <p:nvPr/>
+        </p:nvCxnSpPr>
+        <p:spPr>
+          <a:xfrm flipH="1">
+            <a:off x="3578942" y="1219200"/>
+            <a:ext cx="924232" cy="0"/>
+          </a:xfrm>
+          <a:prstGeom prst="straightConnector1">
+            <a:avLst/>
+          </a:prstGeom>
+          <a:ln w="57150">
+            <a:headEnd type="triangle"/>
+            <a:tailEnd type="triangle"/>
+          </a:ln>
+        </p:spPr>
+        <p:style>
+          <a:lnRef idx="3">
+            <a:schemeClr val="accent6"/>
+          </a:lnRef>
+          <a:fillRef idx="0">
+            <a:schemeClr val="accent6"/>
+          </a:fillRef>
+          <a:effectRef idx="2">
+            <a:schemeClr val="accent6"/>
+          </a:effectRef>
+          <a:fontRef idx="minor">
+            <a:schemeClr val="tx1"/>
+          </a:fontRef>
+        </p:style>
+      </p:cxnSp>
+      <p:sp>
+        <p:nvSpPr>
+          <p:cNvPr id="8" name="TextBox 7">
+            <a:extLst>
+              <a:ext uri="{FF2B5EF4-FFF2-40B4-BE49-F238E27FC236}">
+                <a16:creationId xmlns:a16="http://schemas.microsoft.com/office/drawing/2014/main" id="{B5CC85AB-E5AE-4DB1-87D3-43E637B40AB1}"/>
+              </a:ext>
+            </a:extLst>
+          </p:cNvPr>
+          <p:cNvSpPr txBox="1"/>
+          <p:nvPr/>
+        </p:nvSpPr>
+        <p:spPr>
+          <a:xfrm>
+            <a:off x="4122954" y="809885"/>
+            <a:ext cx="2165593" cy="369332"/>
+          </a:xfrm>
+          <a:prstGeom prst="rect">
+            <a:avLst/>
+          </a:prstGeom>
+          <a:noFill/>
+        </p:spPr>
+        <p:txBody>
+          <a:bodyPr wrap="none" rtlCol="0">
+            <a:spAutoFit/>
+          </a:bodyPr>
+          <a:lstStyle/>
+          <a:p>
+            <a:r>
+              <a:rPr lang="en-GB" dirty="0">
+                <a:solidFill>
+                  <a:schemeClr val="accent6"/>
+                </a:solidFill>
+              </a:rPr>
+              <a:t>Change point of view</a:t>
+            </a:r>
+            <a:endParaRPr lang="fr-FR" dirty="0">
+              <a:solidFill>
+                <a:schemeClr val="accent6"/>
+              </a:solidFill>
+            </a:endParaRPr>
+          </a:p>
+        </p:txBody>
+      </p:sp>
     </p:spTree>
     <p:extLst>
       <p:ext uri="{BB962C8B-B14F-4D97-AF65-F5344CB8AC3E}">
@@ -28072,8 +28577,8 @@
           </a:graphicData>
         </a:graphic>
       </p:graphicFrame>
-      <mc:AlternateContent xmlns:mc="http://schemas.openxmlformats.org/markup-compatibility/2006">
-        <mc:Choice xmlns:a14="http://schemas.microsoft.com/office/drawing/2010/main" Requires="a14">
+      <mc:AlternateContent xmlns:mc="http://schemas.openxmlformats.org/markup-compatibility/2006" xmlns:a14="http://schemas.microsoft.com/office/drawing/2010/main">
+        <mc:Choice Requires="a14">
           <p:sp>
             <p:nvSpPr>
               <p:cNvPr id="5" name="TextBox 4">
@@ -28180,7 +28685,7 @@
             </p:txBody>
           </p:sp>
         </mc:Choice>
-        <mc:Fallback>
+        <mc:Fallback xmlns="">
           <p:sp>
             <p:nvSpPr>
               <p:cNvPr id="5" name="TextBox 4">
@@ -28999,8 +29504,8 @@
           </a:fontRef>
         </p:style>
       </p:cxnSp>
-      <mc:AlternateContent xmlns:mc="http://schemas.openxmlformats.org/markup-compatibility/2006">
-        <mc:Choice xmlns:a14="http://schemas.microsoft.com/office/drawing/2010/main" Requires="a14">
+      <mc:AlternateContent xmlns:mc="http://schemas.openxmlformats.org/markup-compatibility/2006" xmlns:a14="http://schemas.microsoft.com/office/drawing/2010/main">
+        <mc:Choice Requires="a14">
           <p:sp>
             <p:nvSpPr>
               <p:cNvPr id="13" name="TextBox 12">
@@ -29108,7 +29613,7 @@
             </p:txBody>
           </p:sp>
         </mc:Choice>
-        <mc:Fallback>
+        <mc:Fallback xmlns="">
           <p:sp>
             <p:nvSpPr>
               <p:cNvPr id="13" name="TextBox 12">
@@ -29275,8 +29780,8 @@
           </a:p>
         </p:txBody>
       </p:sp>
-      <mc:AlternateContent xmlns:mc="http://schemas.openxmlformats.org/markup-compatibility/2006">
-        <mc:Choice xmlns:a14="http://schemas.microsoft.com/office/drawing/2010/main" Requires="a14">
+      <mc:AlternateContent xmlns:mc="http://schemas.openxmlformats.org/markup-compatibility/2006" xmlns:a14="http://schemas.microsoft.com/office/drawing/2010/main">
+        <mc:Choice Requires="a14">
           <p:sp>
             <p:nvSpPr>
               <p:cNvPr id="17" name="TextBox 16">
@@ -29316,6 +29821,7 @@
                 </a:endParaRPr>
               </a:p>
               <a:p>
+                <a:pPr/>
                 <a14:m>
                   <m:oMathPara xmlns:m="http://schemas.openxmlformats.org/officeDocument/2006/math">
                     <m:oMathParaPr>
@@ -29438,7 +29944,7 @@
             </p:txBody>
           </p:sp>
         </mc:Choice>
-        <mc:Fallback>
+        <mc:Fallback xmlns="">
           <p:sp>
             <p:nvSpPr>
               <p:cNvPr id="17" name="TextBox 16">
@@ -31007,8 +31513,8 @@
           </a:p>
         </p:txBody>
       </p:sp>
-      <mc:AlternateContent xmlns:mc="http://schemas.openxmlformats.org/markup-compatibility/2006">
-        <mc:Choice xmlns:a14="http://schemas.microsoft.com/office/drawing/2010/main" Requires="a14">
+      <mc:AlternateContent xmlns:mc="http://schemas.openxmlformats.org/markup-compatibility/2006" xmlns:a14="http://schemas.microsoft.com/office/drawing/2010/main">
+        <mc:Choice Requires="a14">
           <p:sp>
             <p:nvSpPr>
               <p:cNvPr id="22" name="TextBox 21">
@@ -31123,7 +31629,7 @@
             </p:txBody>
           </p:sp>
         </mc:Choice>
-        <mc:Fallback>
+        <mc:Fallback xmlns="">
           <p:sp>
             <p:nvSpPr>
               <p:cNvPr id="22" name="TextBox 21">
